--- a/version_control/01_git_intro.pptx
+++ b/version_control/01_git_intro.pptx
@@ -480,7 +480,7 @@
             <a:fld id="{17F80633-BAA2-0049-BDEC-E483C21777A6}" type="datetimeFigureOut">
               <a:rPr lang="en-GB"/>
               <a:pPr/>
-              <a:t>14/02/2023</a:t>
+              <a:t>19/02/2023</a:t>
             </a:fld>
             <a:endParaRPr lang="en-GB"/>
           </a:p>
@@ -832,14 +832,14 @@
           <a:noFill/>
           <a:extLst>
             <a:ext uri="{909E8E84-426E-40dd-AFC4-6F175D3DCCD1}">
-              <a14:hiddenFill xmlns:a14="http://schemas.microsoft.com/office/drawing/2010/main" xmlns="">
+              <a14:hiddenFill xmlns="" xmlns:a14="http://schemas.microsoft.com/office/drawing/2010/main">
                 <a:solidFill>
                   <a:srgbClr val="FFFFFF"/>
                 </a:solidFill>
               </a14:hiddenFill>
             </a:ext>
             <a:ext uri="{91240B29-F687-4f45-9708-019B960494DF}">
-              <a14:hiddenLine xmlns:a14="http://schemas.microsoft.com/office/drawing/2010/main" xmlns="" w="9525">
+              <a14:hiddenLine xmlns="" xmlns:a14="http://schemas.microsoft.com/office/drawing/2010/main" w="9525">
                 <a:solidFill>
                   <a:srgbClr val="000000"/>
                 </a:solidFill>
@@ -1012,7 +1012,7 @@
           </a:ln>
           <a:extLst>
             <a:ext uri="{FAA26D3D-D897-4be2-8F04-BA451C77F1D7}">
-              <ma14:placeholderFlag xmlns:ma14="http://schemas.microsoft.com/office/mac/drawingml/2011/main" xmlns="" val="1"/>
+              <ma14:placeholderFlag xmlns="" xmlns:ma14="http://schemas.microsoft.com/office/mac/drawingml/2011/main" val="1"/>
             </a:ext>
           </a:extLst>
         </p:spPr>
@@ -1035,17 +1035,17 @@
           <a:noFill/>
           <a:extLst>
             <a:ext uri="{FAA26D3D-D897-4be2-8F04-BA451C77F1D7}">
-              <ma14:placeholderFlag xmlns:ma14="http://schemas.microsoft.com/office/mac/drawingml/2011/main" xmlns="" val="1"/>
+              <ma14:placeholderFlag xmlns="" xmlns:ma14="http://schemas.microsoft.com/office/mac/drawingml/2011/main" val="1"/>
             </a:ext>
             <a:ext uri="{909E8E84-426E-40dd-AFC4-6F175D3DCCD1}">
-              <a14:hiddenFill xmlns:a14="http://schemas.microsoft.com/office/drawing/2010/main" xmlns="">
+              <a14:hiddenFill xmlns="" xmlns:a14="http://schemas.microsoft.com/office/drawing/2010/main">
                 <a:solidFill>
                   <a:srgbClr val="FFFFFF"/>
                 </a:solidFill>
               </a14:hiddenFill>
             </a:ext>
             <a:ext uri="{91240B29-F687-4f45-9708-019B960494DF}">
-              <a14:hiddenLine xmlns:a14="http://schemas.microsoft.com/office/drawing/2010/main" xmlns="" w="9525">
+              <a14:hiddenLine xmlns="" xmlns:a14="http://schemas.microsoft.com/office/drawing/2010/main" w="9525">
                 <a:solidFill>
                   <a:srgbClr val="000000"/>
                 </a:solidFill>
@@ -1124,10 +1124,10 @@
           </a:ln>
           <a:extLst>
             <a:ext uri="{FAA26D3D-D897-4be2-8F04-BA451C77F1D7}">
-              <ma14:placeholderFlag xmlns="" xmlns:ma14="http://schemas.microsoft.com/office/mac/drawingml/2011/main" val="1"/>
+              <ma14:placeholderFlag xmlns:ma14="http://schemas.microsoft.com/office/mac/drawingml/2011/main" xmlns="" val="1"/>
             </a:ext>
             <a:ext uri="{909E8E84-426E-40dd-AFC4-6F175D3DCCD1}">
-              <a14:hiddenFill xmlns:a14="http://schemas.microsoft.com/office/drawing/2010/main" xmlns="">
+              <a14:hiddenFill xmlns="" xmlns:a14="http://schemas.microsoft.com/office/drawing/2010/main">
                 <a:solidFill>
                   <a:srgbClr val="FFFFFF"/>
                 </a:solidFill>
@@ -1150,14 +1150,14 @@
           <a:noFill/>
           <a:extLst>
             <a:ext uri="{909E8E84-426E-40dd-AFC4-6F175D3DCCD1}">
-              <a14:hiddenFill xmlns:a14="http://schemas.microsoft.com/office/drawing/2010/main" xmlns="">
+              <a14:hiddenFill xmlns="" xmlns:a14="http://schemas.microsoft.com/office/drawing/2010/main">
                 <a:solidFill>
                   <a:srgbClr val="FFFFFF"/>
                 </a:solidFill>
               </a14:hiddenFill>
             </a:ext>
             <a:ext uri="{91240B29-F687-4f45-9708-019B960494DF}">
-              <a14:hiddenLine xmlns:a14="http://schemas.microsoft.com/office/drawing/2010/main" xmlns="" w="9525">
+              <a14:hiddenLine xmlns="" xmlns:a14="http://schemas.microsoft.com/office/drawing/2010/main" w="9525">
                 <a:solidFill>
                   <a:srgbClr val="000000"/>
                 </a:solidFill>
@@ -1199,14 +1199,14 @@
           <a:noFill/>
           <a:extLst>
             <a:ext uri="{909E8E84-426E-40dd-AFC4-6F175D3DCCD1}">
-              <a14:hiddenFill xmlns:a14="http://schemas.microsoft.com/office/drawing/2010/main" xmlns="">
+              <a14:hiddenFill xmlns="" xmlns:a14="http://schemas.microsoft.com/office/drawing/2010/main">
                 <a:solidFill>
                   <a:srgbClr val="FFFFFF"/>
                 </a:solidFill>
               </a14:hiddenFill>
             </a:ext>
             <a:ext uri="{91240B29-F687-4f45-9708-019B960494DF}">
-              <a14:hiddenLine xmlns:a14="http://schemas.microsoft.com/office/drawing/2010/main" xmlns="" w="9525">
+              <a14:hiddenLine xmlns="" xmlns:a14="http://schemas.microsoft.com/office/drawing/2010/main" w="9525">
                 <a:solidFill>
                   <a:srgbClr val="000000"/>
                 </a:solidFill>
@@ -1387,10 +1387,10 @@
           </a:ln>
           <a:extLst>
             <a:ext uri="{FAA26D3D-D897-4be2-8F04-BA451C77F1D7}">
-              <ma14:placeholderFlag xmlns="" xmlns:ma14="http://schemas.microsoft.com/office/mac/drawingml/2011/main" val="1"/>
+              <ma14:placeholderFlag xmlns:ma14="http://schemas.microsoft.com/office/mac/drawingml/2011/main" xmlns="" val="1"/>
             </a:ext>
             <a:ext uri="{909E8E84-426E-40dd-AFC4-6F175D3DCCD1}">
-              <a14:hiddenFill xmlns:a14="http://schemas.microsoft.com/office/drawing/2010/main" xmlns="">
+              <a14:hiddenFill xmlns="" xmlns:a14="http://schemas.microsoft.com/office/drawing/2010/main">
                 <a:solidFill>
                   <a:srgbClr val="FFFFFF"/>
                 </a:solidFill>
@@ -1413,14 +1413,14 @@
           <a:noFill/>
           <a:extLst>
             <a:ext uri="{909E8E84-426E-40dd-AFC4-6F175D3DCCD1}">
-              <a14:hiddenFill xmlns:a14="http://schemas.microsoft.com/office/drawing/2010/main" xmlns="">
+              <a14:hiddenFill xmlns="" xmlns:a14="http://schemas.microsoft.com/office/drawing/2010/main">
                 <a:solidFill>
                   <a:srgbClr val="FFFFFF"/>
                 </a:solidFill>
               </a14:hiddenFill>
             </a:ext>
             <a:ext uri="{91240B29-F687-4f45-9708-019B960494DF}">
-              <a14:hiddenLine xmlns:a14="http://schemas.microsoft.com/office/drawing/2010/main" xmlns="" w="9525">
+              <a14:hiddenLine xmlns="" xmlns:a14="http://schemas.microsoft.com/office/drawing/2010/main" w="9525">
                 <a:solidFill>
                   <a:srgbClr val="000000"/>
                 </a:solidFill>
@@ -1462,14 +1462,14 @@
           <a:noFill/>
           <a:extLst>
             <a:ext uri="{909E8E84-426E-40dd-AFC4-6F175D3DCCD1}">
-              <a14:hiddenFill xmlns:a14="http://schemas.microsoft.com/office/drawing/2010/main" xmlns="">
+              <a14:hiddenFill xmlns="" xmlns:a14="http://schemas.microsoft.com/office/drawing/2010/main">
                 <a:solidFill>
                   <a:srgbClr val="FFFFFF"/>
                 </a:solidFill>
               </a14:hiddenFill>
             </a:ext>
             <a:ext uri="{91240B29-F687-4f45-9708-019B960494DF}">
-              <a14:hiddenLine xmlns:a14="http://schemas.microsoft.com/office/drawing/2010/main" xmlns="" w="9525">
+              <a14:hiddenLine xmlns="" xmlns:a14="http://schemas.microsoft.com/office/drawing/2010/main" w="9525">
                 <a:solidFill>
                   <a:srgbClr val="000000"/>
                 </a:solidFill>
@@ -1650,14 +1650,14 @@
           <a:noFill/>
           <a:extLst>
             <a:ext uri="{909E8E84-426E-40dd-AFC4-6F175D3DCCD1}">
-              <a14:hiddenFill xmlns:a14="http://schemas.microsoft.com/office/drawing/2010/main" xmlns="">
+              <a14:hiddenFill xmlns="" xmlns:a14="http://schemas.microsoft.com/office/drawing/2010/main">
                 <a:solidFill>
                   <a:srgbClr val="FFFFFF"/>
                 </a:solidFill>
               </a14:hiddenFill>
             </a:ext>
             <a:ext uri="{91240B29-F687-4f45-9708-019B960494DF}">
-              <a14:hiddenLine xmlns:a14="http://schemas.microsoft.com/office/drawing/2010/main" xmlns="" w="9525">
+              <a14:hiddenLine xmlns="" xmlns:a14="http://schemas.microsoft.com/office/drawing/2010/main" w="9525">
                 <a:solidFill>
                   <a:srgbClr val="000000"/>
                 </a:solidFill>
@@ -1830,7 +1830,7 @@
           </a:ln>
           <a:extLst>
             <a:ext uri="{FAA26D3D-D897-4be2-8F04-BA451C77F1D7}">
-              <ma14:placeholderFlag xmlns:ma14="http://schemas.microsoft.com/office/mac/drawingml/2011/main" xmlns="" val="1"/>
+              <ma14:placeholderFlag xmlns="" xmlns:ma14="http://schemas.microsoft.com/office/mac/drawingml/2011/main" val="1"/>
             </a:ext>
           </a:extLst>
         </p:spPr>
@@ -1853,14 +1853,14 @@
           <a:noFill/>
           <a:extLst>
             <a:ext uri="{909E8E84-426E-40dd-AFC4-6F175D3DCCD1}">
-              <a14:hiddenFill xmlns:a14="http://schemas.microsoft.com/office/drawing/2010/main" xmlns="">
+              <a14:hiddenFill xmlns="" xmlns:a14="http://schemas.microsoft.com/office/drawing/2010/main">
                 <a:solidFill>
                   <a:srgbClr val="FFFFFF"/>
                 </a:solidFill>
               </a14:hiddenFill>
             </a:ext>
             <a:ext uri="{91240B29-F687-4f45-9708-019B960494DF}">
-              <a14:hiddenLine xmlns:a14="http://schemas.microsoft.com/office/drawing/2010/main" xmlns="" w="9525">
+              <a14:hiddenLine xmlns="" xmlns:a14="http://schemas.microsoft.com/office/drawing/2010/main" w="9525">
                 <a:solidFill>
                   <a:srgbClr val="000000"/>
                 </a:solidFill>
@@ -2269,10 +2269,10 @@
           </a:ln>
           <a:extLst>
             <a:ext uri="{FAA26D3D-D897-4be2-8F04-BA451C77F1D7}">
-              <ma14:placeholderFlag xmlns="" xmlns:ma14="http://schemas.microsoft.com/office/mac/drawingml/2011/main" val="1"/>
+              <ma14:placeholderFlag xmlns:ma14="http://schemas.microsoft.com/office/mac/drawingml/2011/main" xmlns="" val="1"/>
             </a:ext>
             <a:ext uri="{909E8E84-426E-40dd-AFC4-6F175D3DCCD1}">
-              <a14:hiddenFill xmlns:a14="http://schemas.microsoft.com/office/drawing/2010/main" xmlns="">
+              <a14:hiddenFill xmlns="" xmlns:a14="http://schemas.microsoft.com/office/drawing/2010/main">
                 <a:solidFill>
                   <a:srgbClr val="FFFFFF"/>
                 </a:solidFill>
@@ -2295,14 +2295,14 @@
           <a:noFill/>
           <a:extLst>
             <a:ext uri="{909E8E84-426E-40dd-AFC4-6F175D3DCCD1}">
-              <a14:hiddenFill xmlns:a14="http://schemas.microsoft.com/office/drawing/2010/main" xmlns="">
+              <a14:hiddenFill xmlns="" xmlns:a14="http://schemas.microsoft.com/office/drawing/2010/main">
                 <a:solidFill>
                   <a:srgbClr val="FFFFFF"/>
                 </a:solidFill>
               </a14:hiddenFill>
             </a:ext>
             <a:ext uri="{91240B29-F687-4f45-9708-019B960494DF}">
-              <a14:hiddenLine xmlns:a14="http://schemas.microsoft.com/office/drawing/2010/main" xmlns="" w="9525">
+              <a14:hiddenLine xmlns="" xmlns:a14="http://schemas.microsoft.com/office/drawing/2010/main" w="9525">
                 <a:solidFill>
                   <a:srgbClr val="000000"/>
                 </a:solidFill>
@@ -2344,14 +2344,14 @@
           <a:noFill/>
           <a:extLst>
             <a:ext uri="{909E8E84-426E-40dd-AFC4-6F175D3DCCD1}">
-              <a14:hiddenFill xmlns:a14="http://schemas.microsoft.com/office/drawing/2010/main" xmlns="">
+              <a14:hiddenFill xmlns="" xmlns:a14="http://schemas.microsoft.com/office/drawing/2010/main">
                 <a:solidFill>
                   <a:srgbClr val="FFFFFF"/>
                 </a:solidFill>
               </a14:hiddenFill>
             </a:ext>
             <a:ext uri="{91240B29-F687-4f45-9708-019B960494DF}">
-              <a14:hiddenLine xmlns:a14="http://schemas.microsoft.com/office/drawing/2010/main" xmlns="" w="9525">
+              <a14:hiddenLine xmlns="" xmlns:a14="http://schemas.microsoft.com/office/drawing/2010/main" w="9525">
                 <a:solidFill>
                   <a:srgbClr val="000000"/>
                 </a:solidFill>
@@ -2532,10 +2532,10 @@
           </a:ln>
           <a:extLst>
             <a:ext uri="{FAA26D3D-D897-4be2-8F04-BA451C77F1D7}">
-              <ma14:placeholderFlag xmlns="" xmlns:ma14="http://schemas.microsoft.com/office/mac/drawingml/2011/main" val="1"/>
+              <ma14:placeholderFlag xmlns:ma14="http://schemas.microsoft.com/office/mac/drawingml/2011/main" xmlns="" val="1"/>
             </a:ext>
             <a:ext uri="{909E8E84-426E-40dd-AFC4-6F175D3DCCD1}">
-              <a14:hiddenFill xmlns:a14="http://schemas.microsoft.com/office/drawing/2010/main" xmlns="">
+              <a14:hiddenFill xmlns="" xmlns:a14="http://schemas.microsoft.com/office/drawing/2010/main">
                 <a:solidFill>
                   <a:srgbClr val="FFFFFF"/>
                 </a:solidFill>
@@ -2558,14 +2558,14 @@
           <a:noFill/>
           <a:extLst>
             <a:ext uri="{909E8E84-426E-40dd-AFC4-6F175D3DCCD1}">
-              <a14:hiddenFill xmlns:a14="http://schemas.microsoft.com/office/drawing/2010/main" xmlns="">
+              <a14:hiddenFill xmlns="" xmlns:a14="http://schemas.microsoft.com/office/drawing/2010/main">
                 <a:solidFill>
                   <a:srgbClr val="FFFFFF"/>
                 </a:solidFill>
               </a14:hiddenFill>
             </a:ext>
             <a:ext uri="{91240B29-F687-4f45-9708-019B960494DF}">
-              <a14:hiddenLine xmlns:a14="http://schemas.microsoft.com/office/drawing/2010/main" xmlns="" w="9525">
+              <a14:hiddenLine xmlns="" xmlns:a14="http://schemas.microsoft.com/office/drawing/2010/main" w="9525">
                 <a:solidFill>
                   <a:srgbClr val="000000"/>
                 </a:solidFill>
@@ -2619,14 +2619,14 @@
           <a:noFill/>
           <a:extLst>
             <a:ext uri="{909E8E84-426E-40dd-AFC4-6F175D3DCCD1}">
-              <a14:hiddenFill xmlns:a14="http://schemas.microsoft.com/office/drawing/2010/main" xmlns="">
+              <a14:hiddenFill xmlns="" xmlns:a14="http://schemas.microsoft.com/office/drawing/2010/main">
                 <a:solidFill>
                   <a:srgbClr val="FFFFFF"/>
                 </a:solidFill>
               </a14:hiddenFill>
             </a:ext>
             <a:ext uri="{91240B29-F687-4f45-9708-019B960494DF}">
-              <a14:hiddenLine xmlns:a14="http://schemas.microsoft.com/office/drawing/2010/main" xmlns="" w="9525">
+              <a14:hiddenLine xmlns="" xmlns:a14="http://schemas.microsoft.com/office/drawing/2010/main" w="9525">
                 <a:solidFill>
                   <a:srgbClr val="000000"/>
                 </a:solidFill>
@@ -2807,10 +2807,10 @@
           </a:ln>
           <a:extLst>
             <a:ext uri="{FAA26D3D-D897-4be2-8F04-BA451C77F1D7}">
-              <ma14:placeholderFlag xmlns="" xmlns:ma14="http://schemas.microsoft.com/office/mac/drawingml/2011/main" val="1"/>
+              <ma14:placeholderFlag xmlns:ma14="http://schemas.microsoft.com/office/mac/drawingml/2011/main" xmlns="" val="1"/>
             </a:ext>
             <a:ext uri="{909E8E84-426E-40dd-AFC4-6F175D3DCCD1}">
-              <a14:hiddenFill xmlns:a14="http://schemas.microsoft.com/office/drawing/2010/main" xmlns="">
+              <a14:hiddenFill xmlns="" xmlns:a14="http://schemas.microsoft.com/office/drawing/2010/main">
                 <a:solidFill>
                   <a:srgbClr val="FFFFFF"/>
                 </a:solidFill>
@@ -2833,14 +2833,14 @@
           <a:noFill/>
           <a:extLst>
             <a:ext uri="{909E8E84-426E-40dd-AFC4-6F175D3DCCD1}">
-              <a14:hiddenFill xmlns:a14="http://schemas.microsoft.com/office/drawing/2010/main" xmlns="">
+              <a14:hiddenFill xmlns="" xmlns:a14="http://schemas.microsoft.com/office/drawing/2010/main">
                 <a:solidFill>
                   <a:srgbClr val="FFFFFF"/>
                 </a:solidFill>
               </a14:hiddenFill>
             </a:ext>
             <a:ext uri="{91240B29-F687-4f45-9708-019B960494DF}">
-              <a14:hiddenLine xmlns:a14="http://schemas.microsoft.com/office/drawing/2010/main" xmlns="" w="9525">
+              <a14:hiddenLine xmlns="" xmlns:a14="http://schemas.microsoft.com/office/drawing/2010/main" w="9525">
                 <a:solidFill>
                   <a:srgbClr val="000000"/>
                 </a:solidFill>
@@ -2882,14 +2882,14 @@
           <a:noFill/>
           <a:extLst>
             <a:ext uri="{909E8E84-426E-40dd-AFC4-6F175D3DCCD1}">
-              <a14:hiddenFill xmlns:a14="http://schemas.microsoft.com/office/drawing/2010/main" xmlns="">
+              <a14:hiddenFill xmlns="" xmlns:a14="http://schemas.microsoft.com/office/drawing/2010/main">
                 <a:solidFill>
                   <a:srgbClr val="FFFFFF"/>
                 </a:solidFill>
               </a14:hiddenFill>
             </a:ext>
             <a:ext uri="{91240B29-F687-4f45-9708-019B960494DF}">
-              <a14:hiddenLine xmlns:a14="http://schemas.microsoft.com/office/drawing/2010/main" xmlns="" w="9525">
+              <a14:hiddenLine xmlns="" xmlns:a14="http://schemas.microsoft.com/office/drawing/2010/main" w="9525">
                 <a:solidFill>
                   <a:srgbClr val="000000"/>
                 </a:solidFill>
@@ -3070,10 +3070,10 @@
           </a:ln>
           <a:extLst>
             <a:ext uri="{FAA26D3D-D897-4be2-8F04-BA451C77F1D7}">
-              <ma14:placeholderFlag xmlns="" xmlns:ma14="http://schemas.microsoft.com/office/mac/drawingml/2011/main" val="1"/>
+              <ma14:placeholderFlag xmlns:ma14="http://schemas.microsoft.com/office/mac/drawingml/2011/main" xmlns="" val="1"/>
             </a:ext>
             <a:ext uri="{909E8E84-426E-40dd-AFC4-6F175D3DCCD1}">
-              <a14:hiddenFill xmlns:a14="http://schemas.microsoft.com/office/drawing/2010/main" xmlns="">
+              <a14:hiddenFill xmlns="" xmlns:a14="http://schemas.microsoft.com/office/drawing/2010/main">
                 <a:solidFill>
                   <a:srgbClr val="FFFFFF"/>
                 </a:solidFill>
@@ -3096,14 +3096,14 @@
           <a:noFill/>
           <a:extLst>
             <a:ext uri="{909E8E84-426E-40dd-AFC4-6F175D3DCCD1}">
-              <a14:hiddenFill xmlns:a14="http://schemas.microsoft.com/office/drawing/2010/main" xmlns="">
+              <a14:hiddenFill xmlns="" xmlns:a14="http://schemas.microsoft.com/office/drawing/2010/main">
                 <a:solidFill>
                   <a:srgbClr val="FFFFFF"/>
                 </a:solidFill>
               </a14:hiddenFill>
             </a:ext>
             <a:ext uri="{91240B29-F687-4f45-9708-019B960494DF}">
-              <a14:hiddenLine xmlns:a14="http://schemas.microsoft.com/office/drawing/2010/main" xmlns="" w="9525">
+              <a14:hiddenLine xmlns="" xmlns:a14="http://schemas.microsoft.com/office/drawing/2010/main" w="9525">
                 <a:solidFill>
                   <a:srgbClr val="000000"/>
                 </a:solidFill>
@@ -3145,14 +3145,14 @@
           <a:noFill/>
           <a:extLst>
             <a:ext uri="{909E8E84-426E-40dd-AFC4-6F175D3DCCD1}">
-              <a14:hiddenFill xmlns:a14="http://schemas.microsoft.com/office/drawing/2010/main" xmlns="">
+              <a14:hiddenFill xmlns="" xmlns:a14="http://schemas.microsoft.com/office/drawing/2010/main">
                 <a:solidFill>
                   <a:srgbClr val="FFFFFF"/>
                 </a:solidFill>
               </a14:hiddenFill>
             </a:ext>
             <a:ext uri="{91240B29-F687-4f45-9708-019B960494DF}">
-              <a14:hiddenLine xmlns:a14="http://schemas.microsoft.com/office/drawing/2010/main" xmlns="" w="9525">
+              <a14:hiddenLine xmlns="" xmlns:a14="http://schemas.microsoft.com/office/drawing/2010/main" w="9525">
                 <a:solidFill>
                   <a:srgbClr val="000000"/>
                 </a:solidFill>
@@ -4235,7 +4235,7 @@
             <a:fld id="{EC40E7FB-B30A-A942-A21D-EE0E54040989}" type="datetimeFigureOut">
               <a:rPr lang="en-GB" smtClean="0"/>
               <a:pPr/>
-              <a:t>14/02/2023</a:t>
+              <a:t>19/02/2023</a:t>
             </a:fld>
             <a:endParaRPr lang="en-GB"/>
           </a:p>
@@ -4462,7 +4462,7 @@
             <a:fld id="{EC40E7FB-B30A-A942-A21D-EE0E54040989}" type="datetimeFigureOut">
               <a:rPr lang="en-GB" smtClean="0"/>
               <a:pPr/>
-              <a:t>14/02/2023</a:t>
+              <a:t>19/02/2023</a:t>
             </a:fld>
             <a:endParaRPr lang="en-GB"/>
           </a:p>
@@ -8107,7 +8107,7 @@
             <a:fld id="{F967FF78-FFF3-D94C-8CB8-21E3487233EA}" type="datetimeFigureOut">
               <a:rPr lang="en-GB" smtClean="0"/>
               <a:pPr/>
-              <a:t>14/02/2023</a:t>
+              <a:t>19/02/2023</a:t>
             </a:fld>
             <a:endParaRPr lang="en-GB"/>
           </a:p>
@@ -10364,6 +10364,312 @@
   <p:clrMapOvr>
     <a:masterClrMapping/>
   </p:clrMapOvr>
+  <p:timing>
+    <p:tnLst>
+      <p:par>
+        <p:cTn id="1" dur="indefinite" restart="never" nodeType="tmRoot">
+          <p:childTnLst>
+            <p:seq concurrent="1" nextAc="seek">
+              <p:cTn id="2" dur="indefinite" nodeType="mainSeq">
+                <p:childTnLst>
+                  <p:par>
+                    <p:cTn id="3" fill="hold">
+                      <p:stCondLst>
+                        <p:cond delay="indefinite"/>
+                      </p:stCondLst>
+                      <p:childTnLst>
+                        <p:par>
+                          <p:cTn id="4" fill="hold">
+                            <p:stCondLst>
+                              <p:cond delay="0"/>
+                            </p:stCondLst>
+                            <p:childTnLst>
+                              <p:par>
+                                <p:cTn id="5" presetID="1" presetClass="entr" presetSubtype="0" fill="hold" nodeType="clickEffect">
+                                  <p:stCondLst>
+                                    <p:cond delay="0"/>
+                                  </p:stCondLst>
+                                  <p:childTnLst>
+                                    <p:set>
+                                      <p:cBhvr>
+                                        <p:cTn id="6" dur="1" fill="hold">
+                                          <p:stCondLst>
+                                            <p:cond delay="0"/>
+                                          </p:stCondLst>
+                                        </p:cTn>
+                                        <p:tgtEl>
+                                          <p:spTgt spid="211">
+                                            <p:txEl>
+                                              <p:pRg st="2" end="2"/>
+                                            </p:txEl>
+                                          </p:spTgt>
+                                        </p:tgtEl>
+                                        <p:attrNameLst>
+                                          <p:attrName>style.visibility</p:attrName>
+                                        </p:attrNameLst>
+                                      </p:cBhvr>
+                                      <p:to>
+                                        <p:strVal val="visible"/>
+                                      </p:to>
+                                    </p:set>
+                                  </p:childTnLst>
+                                </p:cTn>
+                              </p:par>
+                              <p:par>
+                                <p:cTn id="7" presetID="1" presetClass="entr" presetSubtype="0" fill="hold" nodeType="withEffect">
+                                  <p:stCondLst>
+                                    <p:cond delay="0"/>
+                                  </p:stCondLst>
+                                  <p:childTnLst>
+                                    <p:set>
+                                      <p:cBhvr>
+                                        <p:cTn id="8" dur="1" fill="hold">
+                                          <p:stCondLst>
+                                            <p:cond delay="0"/>
+                                          </p:stCondLst>
+                                        </p:cTn>
+                                        <p:tgtEl>
+                                          <p:spTgt spid="211">
+                                            <p:txEl>
+                                              <p:pRg st="3" end="3"/>
+                                            </p:txEl>
+                                          </p:spTgt>
+                                        </p:tgtEl>
+                                        <p:attrNameLst>
+                                          <p:attrName>style.visibility</p:attrName>
+                                        </p:attrNameLst>
+                                      </p:cBhvr>
+                                      <p:to>
+                                        <p:strVal val="visible"/>
+                                      </p:to>
+                                    </p:set>
+                                  </p:childTnLst>
+                                </p:cTn>
+                              </p:par>
+                            </p:childTnLst>
+                          </p:cTn>
+                        </p:par>
+                      </p:childTnLst>
+                    </p:cTn>
+                  </p:par>
+                  <p:par>
+                    <p:cTn id="9" fill="hold">
+                      <p:stCondLst>
+                        <p:cond delay="indefinite"/>
+                      </p:stCondLst>
+                      <p:childTnLst>
+                        <p:par>
+                          <p:cTn id="10" fill="hold">
+                            <p:stCondLst>
+                              <p:cond delay="0"/>
+                            </p:stCondLst>
+                            <p:childTnLst>
+                              <p:par>
+                                <p:cTn id="11" presetID="1" presetClass="entr" presetSubtype="0" fill="hold" nodeType="clickEffect">
+                                  <p:stCondLst>
+                                    <p:cond delay="0"/>
+                                  </p:stCondLst>
+                                  <p:childTnLst>
+                                    <p:set>
+                                      <p:cBhvr>
+                                        <p:cTn id="12" dur="1" fill="hold">
+                                          <p:stCondLst>
+                                            <p:cond delay="0"/>
+                                          </p:stCondLst>
+                                        </p:cTn>
+                                        <p:tgtEl>
+                                          <p:spTgt spid="211">
+                                            <p:txEl>
+                                              <p:pRg st="4" end="4"/>
+                                            </p:txEl>
+                                          </p:spTgt>
+                                        </p:tgtEl>
+                                        <p:attrNameLst>
+                                          <p:attrName>style.visibility</p:attrName>
+                                        </p:attrNameLst>
+                                      </p:cBhvr>
+                                      <p:to>
+                                        <p:strVal val="visible"/>
+                                      </p:to>
+                                    </p:set>
+                                  </p:childTnLst>
+                                </p:cTn>
+                              </p:par>
+                            </p:childTnLst>
+                          </p:cTn>
+                        </p:par>
+                      </p:childTnLst>
+                    </p:cTn>
+                  </p:par>
+                  <p:par>
+                    <p:cTn id="13" fill="hold">
+                      <p:stCondLst>
+                        <p:cond delay="indefinite"/>
+                      </p:stCondLst>
+                      <p:childTnLst>
+                        <p:par>
+                          <p:cTn id="14" fill="hold">
+                            <p:stCondLst>
+                              <p:cond delay="0"/>
+                            </p:stCondLst>
+                            <p:childTnLst>
+                              <p:par>
+                                <p:cTn id="15" presetID="1" presetClass="entr" presetSubtype="0" fill="hold" nodeType="clickEffect">
+                                  <p:stCondLst>
+                                    <p:cond delay="0"/>
+                                  </p:stCondLst>
+                                  <p:childTnLst>
+                                    <p:set>
+                                      <p:cBhvr>
+                                        <p:cTn id="16" dur="1" fill="hold">
+                                          <p:stCondLst>
+                                            <p:cond delay="0"/>
+                                          </p:stCondLst>
+                                        </p:cTn>
+                                        <p:tgtEl>
+                                          <p:spTgt spid="211">
+                                            <p:txEl>
+                                              <p:pRg st="5" end="5"/>
+                                            </p:txEl>
+                                          </p:spTgt>
+                                        </p:tgtEl>
+                                        <p:attrNameLst>
+                                          <p:attrName>style.visibility</p:attrName>
+                                        </p:attrNameLst>
+                                      </p:cBhvr>
+                                      <p:to>
+                                        <p:strVal val="visible"/>
+                                      </p:to>
+                                    </p:set>
+                                  </p:childTnLst>
+                                </p:cTn>
+                              </p:par>
+                            </p:childTnLst>
+                          </p:cTn>
+                        </p:par>
+                      </p:childTnLst>
+                    </p:cTn>
+                  </p:par>
+                  <p:par>
+                    <p:cTn id="17" fill="hold">
+                      <p:stCondLst>
+                        <p:cond delay="indefinite"/>
+                      </p:stCondLst>
+                      <p:childTnLst>
+                        <p:par>
+                          <p:cTn id="18" fill="hold">
+                            <p:stCondLst>
+                              <p:cond delay="0"/>
+                            </p:stCondLst>
+                            <p:childTnLst>
+                              <p:par>
+                                <p:cTn id="19" presetID="1" presetClass="entr" presetSubtype="0" fill="hold" nodeType="clickEffect">
+                                  <p:stCondLst>
+                                    <p:cond delay="0"/>
+                                  </p:stCondLst>
+                                  <p:childTnLst>
+                                    <p:set>
+                                      <p:cBhvr>
+                                        <p:cTn id="20" dur="1" fill="hold">
+                                          <p:stCondLst>
+                                            <p:cond delay="0"/>
+                                          </p:stCondLst>
+                                        </p:cTn>
+                                        <p:tgtEl>
+                                          <p:spTgt spid="211">
+                                            <p:txEl>
+                                              <p:pRg st="6" end="6"/>
+                                            </p:txEl>
+                                          </p:spTgt>
+                                        </p:tgtEl>
+                                        <p:attrNameLst>
+                                          <p:attrName>style.visibility</p:attrName>
+                                        </p:attrNameLst>
+                                      </p:cBhvr>
+                                      <p:to>
+                                        <p:strVal val="visible"/>
+                                      </p:to>
+                                    </p:set>
+                                  </p:childTnLst>
+                                </p:cTn>
+                              </p:par>
+                            </p:childTnLst>
+                          </p:cTn>
+                        </p:par>
+                      </p:childTnLst>
+                    </p:cTn>
+                  </p:par>
+                  <p:par>
+                    <p:cTn id="21" fill="hold">
+                      <p:stCondLst>
+                        <p:cond delay="indefinite"/>
+                      </p:stCondLst>
+                      <p:childTnLst>
+                        <p:par>
+                          <p:cTn id="22" fill="hold">
+                            <p:stCondLst>
+                              <p:cond delay="0"/>
+                            </p:stCondLst>
+                            <p:childTnLst>
+                              <p:par>
+                                <p:cTn id="23" presetID="1" presetClass="entr" presetSubtype="0" fill="hold" nodeType="clickEffect">
+                                  <p:stCondLst>
+                                    <p:cond delay="0"/>
+                                  </p:stCondLst>
+                                  <p:childTnLst>
+                                    <p:set>
+                                      <p:cBhvr>
+                                        <p:cTn id="24" dur="1" fill="hold">
+                                          <p:stCondLst>
+                                            <p:cond delay="0"/>
+                                          </p:stCondLst>
+                                        </p:cTn>
+                                        <p:tgtEl>
+                                          <p:spTgt spid="211">
+                                            <p:txEl>
+                                              <p:pRg st="7" end="7"/>
+                                            </p:txEl>
+                                          </p:spTgt>
+                                        </p:tgtEl>
+                                        <p:attrNameLst>
+                                          <p:attrName>style.visibility</p:attrName>
+                                        </p:attrNameLst>
+                                      </p:cBhvr>
+                                      <p:to>
+                                        <p:strVal val="visible"/>
+                                      </p:to>
+                                    </p:set>
+                                  </p:childTnLst>
+                                </p:cTn>
+                              </p:par>
+                            </p:childTnLst>
+                          </p:cTn>
+                        </p:par>
+                      </p:childTnLst>
+                    </p:cTn>
+                  </p:par>
+                </p:childTnLst>
+              </p:cTn>
+              <p:prevCondLst>
+                <p:cond evt="onPrev" delay="0">
+                  <p:tgtEl>
+                    <p:sldTgt/>
+                  </p:tgtEl>
+                </p:cond>
+              </p:prevCondLst>
+              <p:nextCondLst>
+                <p:cond evt="onNext" delay="0">
+                  <p:tgtEl>
+                    <p:sldTgt/>
+                  </p:tgtEl>
+                </p:cond>
+              </p:nextCondLst>
+            </p:seq>
+          </p:childTnLst>
+        </p:cTn>
+      </p:par>
+    </p:tnLst>
+  </p:timing>
 </p:sld>
 </file>
 
@@ -10812,6 +11118,183 @@
   <p:clrMapOvr>
     <a:masterClrMapping/>
   </p:clrMapOvr>
+  <p:timing>
+    <p:tnLst>
+      <p:par>
+        <p:cTn id="1" dur="indefinite" restart="never" nodeType="tmRoot">
+          <p:childTnLst>
+            <p:seq concurrent="1" nextAc="seek">
+              <p:cTn id="2" dur="indefinite" nodeType="mainSeq">
+                <p:childTnLst>
+                  <p:par>
+                    <p:cTn id="3" fill="hold">
+                      <p:stCondLst>
+                        <p:cond delay="indefinite"/>
+                      </p:stCondLst>
+                      <p:childTnLst>
+                        <p:par>
+                          <p:cTn id="4" fill="hold">
+                            <p:stCondLst>
+                              <p:cond delay="0"/>
+                            </p:stCondLst>
+                            <p:childTnLst>
+                              <p:par>
+                                <p:cTn id="5" presetID="1" presetClass="entr" presetSubtype="0" fill="hold" nodeType="clickEffect">
+                                  <p:stCondLst>
+                                    <p:cond delay="0"/>
+                                  </p:stCondLst>
+                                  <p:childTnLst>
+                                    <p:set>
+                                      <p:cBhvr>
+                                        <p:cTn id="6" dur="1" fill="hold">
+                                          <p:stCondLst>
+                                            <p:cond delay="0"/>
+                                          </p:stCondLst>
+                                        </p:cTn>
+                                        <p:tgtEl>
+                                          <p:spTgt spid="217">
+                                            <p:txEl>
+                                              <p:pRg st="2" end="2"/>
+                                            </p:txEl>
+                                          </p:spTgt>
+                                        </p:tgtEl>
+                                        <p:attrNameLst>
+                                          <p:attrName>style.visibility</p:attrName>
+                                        </p:attrNameLst>
+                                      </p:cBhvr>
+                                      <p:to>
+                                        <p:strVal val="visible"/>
+                                      </p:to>
+                                    </p:set>
+                                  </p:childTnLst>
+                                </p:cTn>
+                              </p:par>
+                            </p:childTnLst>
+                          </p:cTn>
+                        </p:par>
+                      </p:childTnLst>
+                    </p:cTn>
+                  </p:par>
+                  <p:par>
+                    <p:cTn id="7" fill="hold">
+                      <p:stCondLst>
+                        <p:cond delay="indefinite"/>
+                      </p:stCondLst>
+                      <p:childTnLst>
+                        <p:par>
+                          <p:cTn id="8" fill="hold">
+                            <p:stCondLst>
+                              <p:cond delay="0"/>
+                            </p:stCondLst>
+                            <p:childTnLst>
+                              <p:par>
+                                <p:cTn id="9" presetID="1" presetClass="entr" presetSubtype="0" fill="hold" nodeType="clickEffect">
+                                  <p:stCondLst>
+                                    <p:cond delay="0"/>
+                                  </p:stCondLst>
+                                  <p:childTnLst>
+                                    <p:set>
+                                      <p:cBhvr>
+                                        <p:cTn id="10" dur="1" fill="hold">
+                                          <p:stCondLst>
+                                            <p:cond delay="0"/>
+                                          </p:stCondLst>
+                                        </p:cTn>
+                                        <p:tgtEl>
+                                          <p:spTgt spid="217">
+                                            <p:txEl>
+                                              <p:pRg st="4" end="4"/>
+                                            </p:txEl>
+                                          </p:spTgt>
+                                        </p:tgtEl>
+                                        <p:attrNameLst>
+                                          <p:attrName>style.visibility</p:attrName>
+                                        </p:attrNameLst>
+                                      </p:cBhvr>
+                                      <p:to>
+                                        <p:strVal val="visible"/>
+                                      </p:to>
+                                    </p:set>
+                                  </p:childTnLst>
+                                </p:cTn>
+                              </p:par>
+                            </p:childTnLst>
+                          </p:cTn>
+                        </p:par>
+                      </p:childTnLst>
+                    </p:cTn>
+                  </p:par>
+                  <p:par>
+                    <p:cTn id="11" fill="hold">
+                      <p:stCondLst>
+                        <p:cond delay="indefinite"/>
+                      </p:stCondLst>
+                      <p:childTnLst>
+                        <p:par>
+                          <p:cTn id="12" fill="hold">
+                            <p:stCondLst>
+                              <p:cond delay="0"/>
+                            </p:stCondLst>
+                            <p:childTnLst>
+                              <p:par>
+                                <p:cTn id="13" presetID="1" presetClass="entr" presetSubtype="0" fill="hold" nodeType="clickEffect">
+                                  <p:stCondLst>
+                                    <p:cond delay="0"/>
+                                  </p:stCondLst>
+                                  <p:childTnLst>
+                                    <p:set>
+                                      <p:cBhvr>
+                                        <p:cTn id="14" dur="1" fill="hold">
+                                          <p:stCondLst>
+                                            <p:cond delay="0"/>
+                                          </p:stCondLst>
+                                        </p:cTn>
+                                        <p:tgtEl>
+                                          <p:spTgt spid="217">
+                                            <p:txEl>
+                                              <p:pRg st="6" end="6"/>
+                                            </p:txEl>
+                                          </p:spTgt>
+                                        </p:tgtEl>
+                                        <p:attrNameLst>
+                                          <p:attrName>style.visibility</p:attrName>
+                                        </p:attrNameLst>
+                                      </p:cBhvr>
+                                      <p:to>
+                                        <p:strVal val="visible"/>
+                                      </p:to>
+                                    </p:set>
+                                  </p:childTnLst>
+                                </p:cTn>
+                              </p:par>
+                            </p:childTnLst>
+                          </p:cTn>
+                        </p:par>
+                      </p:childTnLst>
+                    </p:cTn>
+                  </p:par>
+                </p:childTnLst>
+              </p:cTn>
+              <p:prevCondLst>
+                <p:cond evt="onPrev" delay="0">
+                  <p:tgtEl>
+                    <p:sldTgt/>
+                  </p:tgtEl>
+                </p:cond>
+              </p:prevCondLst>
+              <p:nextCondLst>
+                <p:cond evt="onNext" delay="0">
+                  <p:tgtEl>
+                    <p:sldTgt/>
+                  </p:tgtEl>
+                </p:cond>
+              </p:nextCondLst>
+            </p:seq>
+          </p:childTnLst>
+        </p:cTn>
+      </p:par>
+    </p:tnLst>
+  </p:timing>
 </p:sld>
 </file>
 
@@ -11049,7 +11532,7 @@
           </a:ln>
           <a:extLst>
             <a:ext uri="{909E8E84-426E-40dd-AFC4-6F175D3DCCD1}">
-              <a14:hiddenFill xmlns:a14="http://schemas.microsoft.com/office/drawing/2010/main" xmlns="">
+              <a14:hiddenFill xmlns="" xmlns:a14="http://schemas.microsoft.com/office/drawing/2010/main">
                 <a:solidFill>
                   <a:schemeClr val="accent1"/>
                 </a:solidFill>
@@ -11196,7 +11679,7 @@
         </p:blipFill>
         <p:spPr>
           <a:xfrm>
-            <a:off x="4526580" y="2837142"/>
+            <a:off x="304204" y="1261294"/>
             <a:ext cx="4267796" cy="3029373"/>
           </a:xfrm>
           <a:noFill/>
@@ -11210,7 +11693,7 @@
           </a:ln>
           <a:extLst>
             <a:ext uri="{909E8E84-426E-40dd-AFC4-6F175D3DCCD1}">
-              <a14:hiddenFill xmlns:a14="http://schemas.microsoft.com/office/drawing/2010/main" xmlns="">
+              <a14:hiddenFill xmlns="" xmlns:a14="http://schemas.microsoft.com/office/drawing/2010/main">
                 <a:solidFill>
                   <a:schemeClr val="accent1"/>
                 </a:solidFill>
@@ -11236,7 +11719,7 @@
         </p:blipFill>
         <p:spPr bwMode="auto">
           <a:xfrm>
-            <a:off x="376518" y="1175285"/>
+            <a:off x="4205568" y="3575585"/>
             <a:ext cx="4756511" cy="2749443"/>
           </a:xfrm>
           <a:prstGeom prst="rect">
@@ -11350,7 +11833,7 @@
           </a:ln>
           <a:extLst>
             <a:ext uri="{909E8E84-426E-40dd-AFC4-6F175D3DCCD1}">
-              <a14:hiddenFill xmlns:a14="http://schemas.microsoft.com/office/drawing/2010/main" xmlns="">
+              <a14:hiddenFill xmlns="" xmlns:a14="http://schemas.microsoft.com/office/drawing/2010/main">
                 <a:solidFill>
                   <a:schemeClr val="accent1"/>
                 </a:solidFill>
@@ -11447,7 +11930,7 @@
           </a:ln>
           <a:extLst>
             <a:ext uri="{909E8E84-426E-40dd-AFC4-6F175D3DCCD1}">
-              <a14:hiddenFill xmlns:a14="http://schemas.microsoft.com/office/drawing/2010/main" xmlns="">
+              <a14:hiddenFill xmlns="" xmlns:a14="http://schemas.microsoft.com/office/drawing/2010/main">
                 <a:solidFill>
                   <a:schemeClr val="accent1"/>
                 </a:solidFill>
@@ -11550,10 +12033,10 @@
           </a:ln>
           <a:extLst>
             <a:ext uri="{FAA26D3D-D897-4be2-8F04-BA451C77F1D7}">
-              <ma14:placeholderFlag xmlns="" xmlns:ma14="http://schemas.microsoft.com/office/mac/drawingml/2011/main" val="1"/>
+              <ma14:placeholderFlag xmlns:ma14="http://schemas.microsoft.com/office/mac/drawingml/2011/main" xmlns="" val="1"/>
             </a:ext>
             <a:ext uri="{909E8E84-426E-40dd-AFC4-6F175D3DCCD1}">
-              <a14:hiddenFill xmlns:a14="http://schemas.microsoft.com/office/drawing/2010/main" xmlns="">
+              <a14:hiddenFill xmlns="" xmlns:a14="http://schemas.microsoft.com/office/drawing/2010/main">
                 <a:solidFill>
                   <a:schemeClr val="accent1"/>
                 </a:solidFill>
@@ -12345,6 +12828,84 @@
   <p:clrMapOvr>
     <a:masterClrMapping/>
   </p:clrMapOvr>
+  <p:timing>
+    <p:tnLst>
+      <p:par>
+        <p:cTn id="1" dur="indefinite" restart="never" nodeType="tmRoot">
+          <p:childTnLst>
+            <p:seq concurrent="1" nextAc="seek">
+              <p:cTn id="2" dur="indefinite" nodeType="mainSeq">
+                <p:childTnLst>
+                  <p:par>
+                    <p:cTn id="3" fill="hold">
+                      <p:stCondLst>
+                        <p:cond delay="indefinite"/>
+                      </p:stCondLst>
+                      <p:childTnLst>
+                        <p:par>
+                          <p:cTn id="4" fill="hold">
+                            <p:stCondLst>
+                              <p:cond delay="0"/>
+                            </p:stCondLst>
+                            <p:childTnLst>
+                              <p:par>
+                                <p:cTn id="5" presetID="1" presetClass="entr" presetSubtype="0" fill="hold" grpId="0" nodeType="clickEffect">
+                                  <p:stCondLst>
+                                    <p:cond delay="0"/>
+                                  </p:stCondLst>
+                                  <p:childTnLst>
+                                    <p:set>
+                                      <p:cBhvr>
+                                        <p:cTn id="6" dur="1" fill="hold">
+                                          <p:stCondLst>
+                                            <p:cond delay="0"/>
+                                          </p:stCondLst>
+                                        </p:cTn>
+                                        <p:tgtEl>
+                                          <p:spTgt spid="4"/>
+                                        </p:tgtEl>
+                                        <p:attrNameLst>
+                                          <p:attrName>style.visibility</p:attrName>
+                                        </p:attrNameLst>
+                                      </p:cBhvr>
+                                      <p:to>
+                                        <p:strVal val="visible"/>
+                                      </p:to>
+                                    </p:set>
+                                  </p:childTnLst>
+                                </p:cTn>
+                              </p:par>
+                            </p:childTnLst>
+                          </p:cTn>
+                        </p:par>
+                      </p:childTnLst>
+                    </p:cTn>
+                  </p:par>
+                </p:childTnLst>
+              </p:cTn>
+              <p:prevCondLst>
+                <p:cond evt="onPrev" delay="0">
+                  <p:tgtEl>
+                    <p:sldTgt/>
+                  </p:tgtEl>
+                </p:cond>
+              </p:prevCondLst>
+              <p:nextCondLst>
+                <p:cond evt="onNext" delay="0">
+                  <p:tgtEl>
+                    <p:sldTgt/>
+                  </p:tgtEl>
+                </p:cond>
+              </p:nextCondLst>
+            </p:seq>
+          </p:childTnLst>
+        </p:cTn>
+      </p:par>
+    </p:tnLst>
+    <p:bldLst>
+      <p:bldP spid="4" grpId="0" animBg="1"/>
+    </p:bldLst>
+  </p:timing>
 </p:sld>
 </file>
 
@@ -13420,8 +13981,8 @@
         </p:nvSpPr>
         <p:spPr bwMode="auto">
           <a:xfrm>
-            <a:off x="1104900" y="5065662"/>
-            <a:ext cx="3816350" cy="432254"/>
+            <a:off x="1104899" y="4903737"/>
+            <a:ext cx="4831983" cy="432254"/>
           </a:xfrm>
           <a:prstGeom prst="roundRect">
             <a:avLst>
@@ -13475,8 +14036,8 @@
         </p:nvSpPr>
         <p:spPr bwMode="auto">
           <a:xfrm>
-            <a:off x="1104900" y="4120658"/>
-            <a:ext cx="6592888" cy="432254"/>
+            <a:off x="1104900" y="4034933"/>
+            <a:ext cx="4838700" cy="432254"/>
           </a:xfrm>
           <a:prstGeom prst="roundRect">
             <a:avLst>
@@ -13530,8 +14091,8 @@
         </p:nvSpPr>
         <p:spPr bwMode="auto">
           <a:xfrm>
-            <a:off x="1104900" y="3233938"/>
-            <a:ext cx="6592888" cy="432254"/>
+            <a:off x="1104900" y="3272038"/>
+            <a:ext cx="4838700" cy="432254"/>
           </a:xfrm>
           <a:prstGeom prst="roundRect">
             <a:avLst>
@@ -13585,8 +14146,8 @@
         </p:nvSpPr>
         <p:spPr bwMode="auto">
           <a:xfrm>
-            <a:off x="1104900" y="2346827"/>
-            <a:ext cx="6592888" cy="409073"/>
+            <a:off x="1104900" y="2499227"/>
+            <a:ext cx="4838700" cy="409073"/>
           </a:xfrm>
           <a:prstGeom prst="roundRect">
             <a:avLst>
@@ -13640,8 +14201,8 @@
         </p:nvSpPr>
         <p:spPr bwMode="auto">
           <a:xfrm>
-            <a:off x="1104900" y="1526483"/>
-            <a:ext cx="3816350" cy="371296"/>
+            <a:off x="1104899" y="1774133"/>
+            <a:ext cx="4838699" cy="371296"/>
           </a:xfrm>
           <a:prstGeom prst="roundRect">
             <a:avLst>
@@ -13697,25 +14258,54 @@
         </p:nvSpPr>
         <p:spPr>
           <a:xfrm>
-            <a:off x="457200" y="1073893"/>
+            <a:off x="457200" y="1378693"/>
             <a:ext cx="7127508" cy="5523245"/>
           </a:xfrm>
         </p:spPr>
         <p:txBody>
           <a:bodyPr>
-            <a:normAutofit lnSpcReduction="10000"/>
+            <a:normAutofit/>
           </a:bodyPr>
           <a:lstStyle/>
+          <a:p>
+            <a:pPr marL="457200" indent="-457200">
+              <a:buFont typeface="Arial" charset="0"/>
+              <a:buAutoNum type="arabicPeriod"/>
+            </a:pPr>
+            <a:r>
+              <a:rPr lang="en-GB" sz="2000" dirty="0">
+                <a:latin typeface="Calibri" charset="0"/>
+              </a:rPr>
+              <a:t>Enter the repository directory:</a:t>
+            </a:r>
+            <a:endParaRPr lang="en-GB" sz="100" dirty="0">
+              <a:latin typeface="Calibri" charset="0"/>
+            </a:endParaRPr>
+          </a:p>
           <a:p>
             <a:pPr marL="0" indent="0">
               <a:buFont typeface="Arial" charset="0"/>
               <a:buNone/>
             </a:pPr>
             <a:r>
-              <a:rPr lang="en-GB" dirty="0">
-                <a:latin typeface="Calibri" charset="0"/>
-              </a:rPr>
-              <a:t>1. Enter the repository directory:</a:t>
+              <a:rPr lang="en-GB" sz="1800" dirty="0">
+                <a:solidFill>
+                  <a:schemeClr val="bg1"/>
+                </a:solidFill>
+                <a:latin typeface="Courier New" charset="0"/>
+                <a:cs typeface="Courier New" charset="0"/>
+              </a:rPr>
+              <a:t>	</a:t>
+            </a:r>
+            <a:r>
+              <a:rPr lang="en-GB" sz="1600" dirty="0">
+                <a:solidFill>
+                  <a:schemeClr val="bg1"/>
+                </a:solidFill>
+                <a:latin typeface="Courier New" charset="0"/>
+                <a:cs typeface="Courier New" charset="0"/>
+              </a:rPr>
+              <a:t>$ cd keep-safe/</a:t>
             </a:r>
           </a:p>
           <a:p>
@@ -13724,24 +14314,10 @@
               <a:buNone/>
             </a:pPr>
             <a:r>
-              <a:rPr lang="en-GB" sz="2400" dirty="0">
-                <a:solidFill>
-                  <a:schemeClr val="bg1"/>
-                </a:solidFill>
-                <a:latin typeface="Courier New" charset="0"/>
-                <a:cs typeface="Courier New" charset="0"/>
-              </a:rPr>
-              <a:t>	</a:t>
-            </a:r>
-            <a:r>
               <a:rPr lang="en-GB" sz="2000" dirty="0">
-                <a:solidFill>
-                  <a:schemeClr val="bg1"/>
-                </a:solidFill>
-                <a:latin typeface="Courier New" charset="0"/>
-                <a:cs typeface="Courier New" charset="0"/>
-              </a:rPr>
-              <a:t>$ cd keep-safe/</a:t>
+                <a:latin typeface="Calibri" charset="0"/>
+              </a:rPr>
+              <a:t>2. Create a new file:</a:t>
             </a:r>
           </a:p>
           <a:p>
@@ -13750,19 +14326,7 @@
               <a:buNone/>
             </a:pPr>
             <a:r>
-              <a:rPr lang="en-GB" dirty="0">
-                <a:latin typeface="Calibri" charset="0"/>
-              </a:rPr>
-              <a:t>2. Create a new file:</a:t>
-            </a:r>
-          </a:p>
-          <a:p>
-            <a:pPr marL="0" indent="0">
-              <a:buFont typeface="Arial" charset="0"/>
-              <a:buNone/>
-            </a:pPr>
-            <a:r>
-              <a:rPr lang="en-GB" sz="2000" dirty="0">
+              <a:rPr lang="en-GB" sz="1600" dirty="0">
                 <a:solidFill>
                   <a:schemeClr val="bg1"/>
                 </a:solidFill>
@@ -13772,7 +14336,7 @@
               <a:t>	$ echo "hello world" &gt; hello.txt</a:t>
             </a:r>
             <a:br>
-              <a:rPr lang="en-GB" sz="2000" dirty="0">
+              <a:rPr lang="en-GB" sz="1600" dirty="0">
                 <a:solidFill>
                   <a:schemeClr val="bg1"/>
                 </a:solidFill>
@@ -13780,7 +14344,7 @@
                 <a:cs typeface="Courier New" charset="0"/>
               </a:rPr>
             </a:br>
-            <a:endParaRPr lang="en-GB" sz="400" dirty="0">
+            <a:endParaRPr lang="en-GB" sz="200" dirty="0">
               <a:solidFill>
                 <a:schemeClr val="bg1"/>
               </a:solidFill>
@@ -13794,7 +14358,7 @@
               <a:buNone/>
             </a:pPr>
             <a:r>
-              <a:rPr lang="en-GB" dirty="0">
+              <a:rPr lang="en-GB" sz="2000" dirty="0">
                 <a:latin typeface="Calibri" charset="0"/>
               </a:rPr>
               <a:t>3. Tell Git about the file:</a:t>
@@ -13806,7 +14370,7 @@
               <a:buNone/>
             </a:pPr>
             <a:r>
-              <a:rPr lang="en-GB" sz="2400" dirty="0">
+              <a:rPr lang="en-GB" sz="1800" dirty="0">
                 <a:solidFill>
                   <a:schemeClr val="bg1"/>
                 </a:solidFill>
@@ -13816,7 +14380,7 @@
               <a:t>	</a:t>
             </a:r>
             <a:r>
-              <a:rPr lang="en-GB" sz="2000" dirty="0">
+              <a:rPr lang="en-GB" sz="1600" dirty="0">
                 <a:solidFill>
                   <a:schemeClr val="bg1"/>
                 </a:solidFill>
@@ -13826,7 +14390,7 @@
               <a:t>$ git </a:t>
             </a:r>
             <a:r>
-              <a:rPr lang="en-GB" sz="2000" dirty="0">
+              <a:rPr lang="en-GB" sz="1600" dirty="0">
                 <a:solidFill>
                   <a:srgbClr val="FFFF00"/>
                 </a:solidFill>
@@ -13836,7 +14400,7 @@
               <a:t>add</a:t>
             </a:r>
             <a:r>
-              <a:rPr lang="en-GB" sz="2000" dirty="0">
+              <a:rPr lang="en-GB" sz="1600" dirty="0">
                 <a:solidFill>
                   <a:schemeClr val="bg1"/>
                 </a:solidFill>
@@ -13852,13 +14416,13 @@
               <a:buNone/>
             </a:pPr>
             <a:r>
-              <a:rPr lang="en-GB" dirty="0">
+              <a:rPr lang="en-GB" sz="2000" dirty="0">
                 <a:latin typeface="Calibri" charset="0"/>
               </a:rPr>
               <a:t>4. Commit the file to the </a:t>
             </a:r>
             <a:r>
-              <a:rPr lang="en-GB" b="1" dirty="0">
+              <a:rPr lang="en-GB" sz="2000" b="1" dirty="0">
                 <a:solidFill>
                   <a:srgbClr val="FF0000"/>
                 </a:solidFill>
@@ -13867,7 +14431,7 @@
               <a:t>local</a:t>
             </a:r>
             <a:r>
-              <a:rPr lang="en-GB" dirty="0">
+              <a:rPr lang="en-GB" sz="2000" dirty="0">
                 <a:solidFill>
                   <a:srgbClr val="FF0000"/>
                 </a:solidFill>
@@ -13876,7 +14440,7 @@
               <a:t> </a:t>
             </a:r>
             <a:r>
-              <a:rPr lang="en-GB" dirty="0">
+              <a:rPr lang="en-GB" sz="2000" dirty="0">
                 <a:latin typeface="Calibri" charset="0"/>
               </a:rPr>
               <a:t>Git repository:</a:t>
@@ -13888,7 +14452,7 @@
               <a:buNone/>
             </a:pPr>
             <a:r>
-              <a:rPr lang="en-GB" sz="2000" dirty="0">
+              <a:rPr lang="en-GB" sz="1600" dirty="0">
                 <a:solidFill>
                   <a:schemeClr val="bg1"/>
                 </a:solidFill>
@@ -13898,7 +14462,7 @@
               <a:t>	$ git </a:t>
             </a:r>
             <a:r>
-              <a:rPr lang="en-GB" sz="2000" dirty="0">
+              <a:rPr lang="en-GB" sz="1600" dirty="0">
                 <a:solidFill>
                   <a:srgbClr val="FFFF00"/>
                 </a:solidFill>
@@ -13908,7 +14472,7 @@
               <a:t>commit</a:t>
             </a:r>
             <a:r>
-              <a:rPr lang="en-GB" sz="2000" dirty="0">
+              <a:rPr lang="en-GB" sz="1600" dirty="0">
                 <a:solidFill>
                   <a:schemeClr val="bg1"/>
                 </a:solidFill>
@@ -13937,13 +14501,13 @@
               <a:buNone/>
             </a:pPr>
             <a:r>
-              <a:rPr lang="en-GB" dirty="0">
+              <a:rPr lang="en-GB" sz="2000" dirty="0">
                 <a:latin typeface="Calibri" charset="0"/>
               </a:rPr>
               <a:t>5. Push any updates to the </a:t>
             </a:r>
             <a:r>
-              <a:rPr lang="en-GB" b="1" dirty="0">
+              <a:rPr lang="en-GB" sz="2000" b="1" dirty="0">
                 <a:solidFill>
                   <a:srgbClr val="FF0000"/>
                 </a:solidFill>
@@ -13952,7 +14516,7 @@
               <a:t>remote</a:t>
             </a:r>
             <a:r>
-              <a:rPr lang="en-GB" dirty="0">
+              <a:rPr lang="en-GB" sz="2000" dirty="0">
                 <a:solidFill>
                   <a:srgbClr val="FF0000"/>
                 </a:solidFill>
@@ -13961,7 +14525,7 @@
               <a:t> </a:t>
             </a:r>
             <a:r>
-              <a:rPr lang="en-GB" dirty="0">
+              <a:rPr lang="en-GB" sz="2000" dirty="0">
                 <a:latin typeface="Calibri" charset="0"/>
               </a:rPr>
               <a:t>GitHub repo:</a:t>
@@ -13973,7 +14537,7 @@
               <a:buNone/>
             </a:pPr>
             <a:r>
-              <a:rPr lang="en-GB" sz="1800" dirty="0">
+              <a:rPr lang="en-GB" sz="1400" dirty="0">
                 <a:solidFill>
                   <a:schemeClr val="bg1"/>
                 </a:solidFill>
@@ -13983,7 +14547,7 @@
               <a:t>$  </a:t>
             </a:r>
             <a:r>
-              <a:rPr lang="en-GB" sz="2000" dirty="0">
+              <a:rPr lang="en-GB" sz="1600" dirty="0">
                 <a:solidFill>
                   <a:schemeClr val="bg1"/>
                 </a:solidFill>
@@ -13993,7 +14557,7 @@
               <a:t>$ git </a:t>
             </a:r>
             <a:r>
-              <a:rPr lang="en-GB" sz="2000" dirty="0">
+              <a:rPr lang="en-GB" sz="1600" dirty="0">
                 <a:solidFill>
                   <a:srgbClr val="FFFF00"/>
                 </a:solidFill>
@@ -14009,11 +14573,11 @@
               <a:buNone/>
             </a:pPr>
             <a:br>
-              <a:rPr lang="en-GB" dirty="0">
+              <a:rPr lang="en-GB" sz="2000" dirty="0">
                 <a:latin typeface="Calibri" charset="0"/>
               </a:rPr>
             </a:br>
-            <a:endParaRPr lang="en-GB" dirty="0">
+            <a:endParaRPr lang="en-GB" sz="2000" dirty="0">
               <a:latin typeface="Calibri" charset="0"/>
             </a:endParaRPr>
           </a:p>
@@ -14062,7 +14626,7 @@
         </p:nvSpPr>
         <p:spPr>
           <a:xfrm flipH="1">
-            <a:off x="7584708" y="2974729"/>
+            <a:off x="5936883" y="2974729"/>
             <a:ext cx="1357162" cy="950672"/>
           </a:xfrm>
           <a:prstGeom prst="rightArrow">
@@ -14109,7 +14673,7 @@
         </p:nvSpPr>
         <p:spPr>
           <a:xfrm flipH="1">
-            <a:off x="7584708" y="3872729"/>
+            <a:off x="5936883" y="3825104"/>
             <a:ext cx="1357162" cy="950672"/>
           </a:xfrm>
           <a:prstGeom prst="rightArrow">
@@ -14156,7 +14720,7 @@
         </p:nvSpPr>
         <p:spPr>
           <a:xfrm flipH="1">
-            <a:off x="7584708" y="4748169"/>
+            <a:off x="5936883" y="4662444"/>
             <a:ext cx="1357162" cy="950672"/>
           </a:xfrm>
           <a:prstGeom prst="rightArrow">
@@ -14866,19 +15430,19 @@
           <a:lstStyle/>
           <a:p>
             <a:r>
-              <a:rPr lang="en-GB" dirty="0">
+              <a:rPr lang="en-GB" sz="2400" dirty="0">
                 <a:latin typeface="Calibri" charset="0"/>
               </a:rPr>
               <a:t>We </a:t>
             </a:r>
             <a:r>
-              <a:rPr lang="en-GB" i="1" dirty="0">
+              <a:rPr lang="en-GB" sz="2400" i="1" dirty="0">
                 <a:latin typeface="Calibri" charset="0"/>
               </a:rPr>
               <a:t>cloned</a:t>
             </a:r>
             <a:r>
-              <a:rPr lang="en-GB" dirty="0">
+              <a:rPr lang="en-GB" sz="2400" dirty="0">
                 <a:latin typeface="Calibri" charset="0"/>
               </a:rPr>
               <a:t> the remote repository to our file system (using Option 1). </a:t>
@@ -14887,7 +15451,7 @@
           <a:p>
             <a:pPr lvl="1"/>
             <a:r>
-              <a:rPr lang="en-GB" dirty="0">
+              <a:rPr lang="en-GB" sz="2000" dirty="0">
                 <a:latin typeface="Calibri" charset="0"/>
               </a:rPr>
               <a:t>Now there are two identical copies of one repo.</a:t>
@@ -15049,14 +15613,14 @@
           </a:ln>
           <a:extLst>
             <a:ext uri="{909E8E84-426E-40dd-AFC4-6F175D3DCCD1}">
-              <a14:hiddenFill xmlns:a14="http://schemas.microsoft.com/office/drawing/2010/main" xmlns="">
+              <a14:hiddenFill xmlns="" xmlns:a14="http://schemas.microsoft.com/office/drawing/2010/main">
                 <a:solidFill>
                   <a:srgbClr val="FFFFFF"/>
                 </a:solidFill>
               </a14:hiddenFill>
             </a:ext>
             <a:ext uri="{91240B29-F687-4f45-9708-019B960494DF}">
-              <a14:hiddenLine xmlns:a14="http://schemas.microsoft.com/office/drawing/2010/main" xmlns="" w="9525">
+              <a14:hiddenLine xmlns="" xmlns:a14="http://schemas.microsoft.com/office/drawing/2010/main" w="9525">
                 <a:solidFill>
                   <a:srgbClr val="000000"/>
                 </a:solidFill>
@@ -15803,7 +16367,7 @@
         </p:nvSpPr>
         <p:spPr>
           <a:xfrm>
-            <a:off x="225425" y="2615687"/>
+            <a:off x="225425" y="2177537"/>
             <a:ext cx="6092825" cy="473891"/>
           </a:xfrm>
           <a:prstGeom prst="rect">
@@ -15812,7 +16376,7 @@
         </p:spPr>
         <p:txBody>
           <a:bodyPr vert="horz" lIns="91440" tIns="45720" rIns="91440" bIns="45720" rtlCol="0">
-            <a:normAutofit lnSpcReduction="10000"/>
+            <a:normAutofit/>
           </a:bodyPr>
           <a:lstStyle>
             <a:lvl1pPr marL="228600" indent="-228600" algn="l" defTabSz="914400" rtl="0" eaLnBrk="1" latinLnBrk="0" hangingPunct="1">
@@ -15985,19 +16549,19 @@
               </a:spcAft>
             </a:pPr>
             <a:r>
-              <a:rPr lang="en-GB" dirty="0">
+              <a:rPr lang="en-GB" sz="2400" dirty="0">
                 <a:latin typeface="Calibri" charset="0"/>
               </a:rPr>
               <a:t>We </a:t>
             </a:r>
             <a:r>
-              <a:rPr lang="en-GB" i="1" dirty="0">
+              <a:rPr lang="en-GB" sz="2400" i="1" dirty="0">
                 <a:latin typeface="Calibri" charset="0"/>
               </a:rPr>
               <a:t>created</a:t>
             </a:r>
             <a:r>
-              <a:rPr lang="en-GB" dirty="0">
+              <a:rPr lang="en-GB" sz="2400" dirty="0">
                 <a:latin typeface="Calibri" charset="0"/>
               </a:rPr>
               <a:t> a new text file.</a:t>
@@ -16021,7 +16585,7 @@
         </p:nvSpPr>
         <p:spPr>
           <a:xfrm>
-            <a:off x="225424" y="3089578"/>
+            <a:off x="225424" y="2651428"/>
             <a:ext cx="6092825" cy="1043245"/>
           </a:xfrm>
           <a:prstGeom prst="rect">
@@ -16203,31 +16767,31 @@
               </a:spcAft>
             </a:pPr>
             <a:r>
-              <a:rPr lang="en-GB" dirty="0">
+              <a:rPr lang="en-GB" sz="2400" dirty="0">
                 <a:latin typeface="Calibri" charset="0"/>
               </a:rPr>
               <a:t>We </a:t>
             </a:r>
             <a:r>
-              <a:rPr lang="en-GB" i="1" dirty="0">
+              <a:rPr lang="en-GB" sz="2400" i="1" dirty="0">
                 <a:latin typeface="Calibri" charset="0"/>
               </a:rPr>
               <a:t>added</a:t>
             </a:r>
             <a:r>
-              <a:rPr lang="en-GB" dirty="0">
+              <a:rPr lang="en-GB" sz="2400" dirty="0">
                 <a:latin typeface="Calibri" charset="0"/>
               </a:rPr>
               <a:t> and </a:t>
             </a:r>
             <a:r>
-              <a:rPr lang="en-GB" i="1" dirty="0">
+              <a:rPr lang="en-GB" sz="2400" i="1" dirty="0">
                 <a:latin typeface="Calibri" charset="0"/>
               </a:rPr>
               <a:t>committed</a:t>
             </a:r>
             <a:r>
-              <a:rPr lang="en-GB" dirty="0">
+              <a:rPr lang="en-GB" sz="2400" dirty="0">
                 <a:latin typeface="Calibri" charset="0"/>
               </a:rPr>
               <a:t> that new file to the local version of the repo.</a:t>
@@ -16251,7 +16815,7 @@
         </p:nvSpPr>
         <p:spPr>
           <a:xfrm>
-            <a:off x="225424" y="3941451"/>
+            <a:off x="225424" y="3503301"/>
             <a:ext cx="6092825" cy="1295567"/>
           </a:xfrm>
           <a:prstGeom prst="rect">
@@ -16433,19 +16997,19 @@
               </a:spcAft>
             </a:pPr>
             <a:r>
-              <a:rPr lang="en-GB" dirty="0">
+              <a:rPr lang="en-GB" sz="2400" dirty="0">
                 <a:latin typeface="Calibri" charset="0"/>
               </a:rPr>
               <a:t>We used </a:t>
             </a:r>
             <a:r>
-              <a:rPr lang="en-GB" i="1" dirty="0">
+              <a:rPr lang="en-GB" sz="2400" i="1" dirty="0">
                 <a:latin typeface="Calibri" charset="0"/>
               </a:rPr>
               <a:t>push</a:t>
             </a:r>
             <a:r>
-              <a:rPr lang="en-GB" dirty="0">
+              <a:rPr lang="en-GB" sz="2400" dirty="0">
                 <a:latin typeface="Calibri" charset="0"/>
               </a:rPr>
               <a:t> to update the remote repo.</a:t>
@@ -16936,17 +17500,17 @@
           </a:ln>
           <a:extLst>
             <a:ext uri="{FAA26D3D-D897-4be2-8F04-BA451C77F1D7}">
-              <ma14:placeholderFlag xmlns="" xmlns:ma14="http://schemas.microsoft.com/office/mac/drawingml/2011/main" val="1"/>
+              <ma14:placeholderFlag xmlns:ma14="http://schemas.microsoft.com/office/mac/drawingml/2011/main" xmlns="" val="1"/>
             </a:ext>
             <a:ext uri="{909E8E84-426E-40dd-AFC4-6F175D3DCCD1}">
-              <a14:hiddenFill xmlns:a14="http://schemas.microsoft.com/office/drawing/2010/main" xmlns="">
+              <a14:hiddenFill xmlns="" xmlns:a14="http://schemas.microsoft.com/office/drawing/2010/main">
                 <a:solidFill>
                   <a:srgbClr val="FFFFFF"/>
                 </a:solidFill>
               </a14:hiddenFill>
             </a:ext>
             <a:ext uri="{91240B29-F687-4f45-9708-019B960494DF}">
-              <a14:hiddenLine xmlns:a14="http://schemas.microsoft.com/office/drawing/2010/main" xmlns="" w="9525">
+              <a14:hiddenLine xmlns="" xmlns:a14="http://schemas.microsoft.com/office/drawing/2010/main" w="9525">
                 <a:solidFill>
                   <a:srgbClr val="000000"/>
                 </a:solidFill>
@@ -17427,7 +17991,7 @@
               <a:rPr lang="en-GB" dirty="0">
                 <a:latin typeface="Calibri" charset="0"/>
               </a:rPr>
-              <a:t>Learn by using</a:t>
+              <a:t>Learn by doing</a:t>
             </a:r>
           </a:p>
         </p:txBody>
@@ -17691,6 +18255,281 @@
   <p:clrMapOvr>
     <a:masterClrMapping/>
   </p:clrMapOvr>
+  <p:timing>
+    <p:tnLst>
+      <p:par>
+        <p:cTn id="1" dur="indefinite" restart="never" nodeType="tmRoot">
+          <p:childTnLst>
+            <p:seq concurrent="1" nextAc="seek">
+              <p:cTn id="2" dur="indefinite" nodeType="mainSeq">
+                <p:childTnLst>
+                  <p:par>
+                    <p:cTn id="3" fill="hold">
+                      <p:stCondLst>
+                        <p:cond delay="indefinite"/>
+                      </p:stCondLst>
+                      <p:childTnLst>
+                        <p:par>
+                          <p:cTn id="4" fill="hold">
+                            <p:stCondLst>
+                              <p:cond delay="0"/>
+                            </p:stCondLst>
+                            <p:childTnLst>
+                              <p:par>
+                                <p:cTn id="5" presetID="1" presetClass="entr" presetSubtype="0" fill="hold" nodeType="clickEffect">
+                                  <p:stCondLst>
+                                    <p:cond delay="0"/>
+                                  </p:stCondLst>
+                                  <p:childTnLst>
+                                    <p:set>
+                                      <p:cBhvr>
+                                        <p:cTn id="6" dur="1" fill="hold">
+                                          <p:stCondLst>
+                                            <p:cond delay="0"/>
+                                          </p:stCondLst>
+                                        </p:cTn>
+                                        <p:tgtEl>
+                                          <p:spTgt spid="5123">
+                                            <p:txEl>
+                                              <p:pRg st="1" end="1"/>
+                                            </p:txEl>
+                                          </p:spTgt>
+                                        </p:tgtEl>
+                                        <p:attrNameLst>
+                                          <p:attrName>style.visibility</p:attrName>
+                                        </p:attrNameLst>
+                                      </p:cBhvr>
+                                      <p:to>
+                                        <p:strVal val="visible"/>
+                                      </p:to>
+                                    </p:set>
+                                  </p:childTnLst>
+                                </p:cTn>
+                              </p:par>
+                            </p:childTnLst>
+                          </p:cTn>
+                        </p:par>
+                      </p:childTnLst>
+                    </p:cTn>
+                  </p:par>
+                  <p:par>
+                    <p:cTn id="7" fill="hold">
+                      <p:stCondLst>
+                        <p:cond delay="indefinite"/>
+                      </p:stCondLst>
+                      <p:childTnLst>
+                        <p:par>
+                          <p:cTn id="8" fill="hold">
+                            <p:stCondLst>
+                              <p:cond delay="0"/>
+                            </p:stCondLst>
+                            <p:childTnLst>
+                              <p:par>
+                                <p:cTn id="9" presetID="1" presetClass="entr" presetSubtype="0" fill="hold" nodeType="clickEffect">
+                                  <p:stCondLst>
+                                    <p:cond delay="0"/>
+                                  </p:stCondLst>
+                                  <p:childTnLst>
+                                    <p:set>
+                                      <p:cBhvr>
+                                        <p:cTn id="10" dur="1" fill="hold">
+                                          <p:stCondLst>
+                                            <p:cond delay="0"/>
+                                          </p:stCondLst>
+                                        </p:cTn>
+                                        <p:tgtEl>
+                                          <p:spTgt spid="5123">
+                                            <p:txEl>
+                                              <p:pRg st="2" end="2"/>
+                                            </p:txEl>
+                                          </p:spTgt>
+                                        </p:tgtEl>
+                                        <p:attrNameLst>
+                                          <p:attrName>style.visibility</p:attrName>
+                                        </p:attrNameLst>
+                                      </p:cBhvr>
+                                      <p:to>
+                                        <p:strVal val="visible"/>
+                                      </p:to>
+                                    </p:set>
+                                  </p:childTnLst>
+                                </p:cTn>
+                              </p:par>
+                            </p:childTnLst>
+                          </p:cTn>
+                        </p:par>
+                      </p:childTnLst>
+                    </p:cTn>
+                  </p:par>
+                  <p:par>
+                    <p:cTn id="11" fill="hold">
+                      <p:stCondLst>
+                        <p:cond delay="indefinite"/>
+                      </p:stCondLst>
+                      <p:childTnLst>
+                        <p:par>
+                          <p:cTn id="12" fill="hold">
+                            <p:stCondLst>
+                              <p:cond delay="0"/>
+                            </p:stCondLst>
+                            <p:childTnLst>
+                              <p:par>
+                                <p:cTn id="13" presetID="1" presetClass="entr" presetSubtype="0" fill="hold" nodeType="clickEffect">
+                                  <p:stCondLst>
+                                    <p:cond delay="0"/>
+                                  </p:stCondLst>
+                                  <p:childTnLst>
+                                    <p:set>
+                                      <p:cBhvr>
+                                        <p:cTn id="14" dur="1" fill="hold">
+                                          <p:stCondLst>
+                                            <p:cond delay="0"/>
+                                          </p:stCondLst>
+                                        </p:cTn>
+                                        <p:tgtEl>
+                                          <p:spTgt spid="5123">
+                                            <p:txEl>
+                                              <p:pRg st="3" end="3"/>
+                                            </p:txEl>
+                                          </p:spTgt>
+                                        </p:tgtEl>
+                                        <p:attrNameLst>
+                                          <p:attrName>style.visibility</p:attrName>
+                                        </p:attrNameLst>
+                                      </p:cBhvr>
+                                      <p:to>
+                                        <p:strVal val="visible"/>
+                                      </p:to>
+                                    </p:set>
+                                  </p:childTnLst>
+                                </p:cTn>
+                              </p:par>
+                            </p:childTnLst>
+                          </p:cTn>
+                        </p:par>
+                      </p:childTnLst>
+                    </p:cTn>
+                  </p:par>
+                  <p:par>
+                    <p:cTn id="15" fill="hold">
+                      <p:stCondLst>
+                        <p:cond delay="indefinite"/>
+                      </p:stCondLst>
+                      <p:childTnLst>
+                        <p:par>
+                          <p:cTn id="16" fill="hold">
+                            <p:stCondLst>
+                              <p:cond delay="0"/>
+                            </p:stCondLst>
+                            <p:childTnLst>
+                              <p:par>
+                                <p:cTn id="17" presetID="1" presetClass="entr" presetSubtype="0" fill="hold" nodeType="clickEffect">
+                                  <p:stCondLst>
+                                    <p:cond delay="0"/>
+                                  </p:stCondLst>
+                                  <p:childTnLst>
+                                    <p:set>
+                                      <p:cBhvr>
+                                        <p:cTn id="18" dur="1" fill="hold">
+                                          <p:stCondLst>
+                                            <p:cond delay="0"/>
+                                          </p:stCondLst>
+                                        </p:cTn>
+                                        <p:tgtEl>
+                                          <p:spTgt spid="5123">
+                                            <p:txEl>
+                                              <p:pRg st="4" end="4"/>
+                                            </p:txEl>
+                                          </p:spTgt>
+                                        </p:tgtEl>
+                                        <p:attrNameLst>
+                                          <p:attrName>style.visibility</p:attrName>
+                                        </p:attrNameLst>
+                                      </p:cBhvr>
+                                      <p:to>
+                                        <p:strVal val="visible"/>
+                                      </p:to>
+                                    </p:set>
+                                  </p:childTnLst>
+                                </p:cTn>
+                              </p:par>
+                            </p:childTnLst>
+                          </p:cTn>
+                        </p:par>
+                      </p:childTnLst>
+                    </p:cTn>
+                  </p:par>
+                  <p:par>
+                    <p:cTn id="19" fill="hold">
+                      <p:stCondLst>
+                        <p:cond delay="indefinite"/>
+                      </p:stCondLst>
+                      <p:childTnLst>
+                        <p:par>
+                          <p:cTn id="20" fill="hold">
+                            <p:stCondLst>
+                              <p:cond delay="0"/>
+                            </p:stCondLst>
+                            <p:childTnLst>
+                              <p:par>
+                                <p:cTn id="21" presetID="1" presetClass="entr" presetSubtype="0" fill="hold" nodeType="clickEffect">
+                                  <p:stCondLst>
+                                    <p:cond delay="0"/>
+                                  </p:stCondLst>
+                                  <p:childTnLst>
+                                    <p:set>
+                                      <p:cBhvr>
+                                        <p:cTn id="22" dur="1" fill="hold">
+                                          <p:stCondLst>
+                                            <p:cond delay="0"/>
+                                          </p:stCondLst>
+                                        </p:cTn>
+                                        <p:tgtEl>
+                                          <p:spTgt spid="5123">
+                                            <p:txEl>
+                                              <p:pRg st="5" end="5"/>
+                                            </p:txEl>
+                                          </p:spTgt>
+                                        </p:tgtEl>
+                                        <p:attrNameLst>
+                                          <p:attrName>style.visibility</p:attrName>
+                                        </p:attrNameLst>
+                                      </p:cBhvr>
+                                      <p:to>
+                                        <p:strVal val="visible"/>
+                                      </p:to>
+                                    </p:set>
+                                  </p:childTnLst>
+                                </p:cTn>
+                              </p:par>
+                            </p:childTnLst>
+                          </p:cTn>
+                        </p:par>
+                      </p:childTnLst>
+                    </p:cTn>
+                  </p:par>
+                </p:childTnLst>
+              </p:cTn>
+              <p:prevCondLst>
+                <p:cond evt="onPrev" delay="0">
+                  <p:tgtEl>
+                    <p:sldTgt/>
+                  </p:tgtEl>
+                </p:cond>
+              </p:prevCondLst>
+              <p:nextCondLst>
+                <p:cond evt="onNext" delay="0">
+                  <p:tgtEl>
+                    <p:sldTgt/>
+                  </p:tgtEl>
+                </p:cond>
+              </p:nextCondLst>
+            </p:seq>
+          </p:childTnLst>
+        </p:cTn>
+      </p:par>
+    </p:tnLst>
+  </p:timing>
 </p:sld>
 </file>
 
@@ -17826,6 +18665,232 @@
   <p:clrMapOvr>
     <a:masterClrMapping/>
   </p:clrMapOvr>
+  <p:timing>
+    <p:tnLst>
+      <p:par>
+        <p:cTn id="1" dur="indefinite" restart="never" nodeType="tmRoot">
+          <p:childTnLst>
+            <p:seq concurrent="1" nextAc="seek">
+              <p:cTn id="2" dur="indefinite" nodeType="mainSeq">
+                <p:childTnLst>
+                  <p:par>
+                    <p:cTn id="3" fill="hold">
+                      <p:stCondLst>
+                        <p:cond delay="indefinite"/>
+                      </p:stCondLst>
+                      <p:childTnLst>
+                        <p:par>
+                          <p:cTn id="4" fill="hold">
+                            <p:stCondLst>
+                              <p:cond delay="0"/>
+                            </p:stCondLst>
+                            <p:childTnLst>
+                              <p:par>
+                                <p:cTn id="5" presetID="1" presetClass="entr" presetSubtype="0" fill="hold" nodeType="clickEffect">
+                                  <p:stCondLst>
+                                    <p:cond delay="0"/>
+                                  </p:stCondLst>
+                                  <p:childTnLst>
+                                    <p:set>
+                                      <p:cBhvr>
+                                        <p:cTn id="6" dur="1" fill="hold">
+                                          <p:stCondLst>
+                                            <p:cond delay="0"/>
+                                          </p:stCondLst>
+                                        </p:cTn>
+                                        <p:tgtEl>
+                                          <p:spTgt spid="5123">
+                                            <p:txEl>
+                                              <p:pRg st="1" end="1"/>
+                                            </p:txEl>
+                                          </p:spTgt>
+                                        </p:tgtEl>
+                                        <p:attrNameLst>
+                                          <p:attrName>style.visibility</p:attrName>
+                                        </p:attrNameLst>
+                                      </p:cBhvr>
+                                      <p:to>
+                                        <p:strVal val="visible"/>
+                                      </p:to>
+                                    </p:set>
+                                  </p:childTnLst>
+                                </p:cTn>
+                              </p:par>
+                            </p:childTnLst>
+                          </p:cTn>
+                        </p:par>
+                      </p:childTnLst>
+                    </p:cTn>
+                  </p:par>
+                  <p:par>
+                    <p:cTn id="7" fill="hold">
+                      <p:stCondLst>
+                        <p:cond delay="indefinite"/>
+                      </p:stCondLst>
+                      <p:childTnLst>
+                        <p:par>
+                          <p:cTn id="8" fill="hold">
+                            <p:stCondLst>
+                              <p:cond delay="0"/>
+                            </p:stCondLst>
+                            <p:childTnLst>
+                              <p:par>
+                                <p:cTn id="9" presetID="1" presetClass="entr" presetSubtype="0" fill="hold" nodeType="clickEffect">
+                                  <p:stCondLst>
+                                    <p:cond delay="0"/>
+                                  </p:stCondLst>
+                                  <p:childTnLst>
+                                    <p:set>
+                                      <p:cBhvr>
+                                        <p:cTn id="10" dur="1" fill="hold">
+                                          <p:stCondLst>
+                                            <p:cond delay="0"/>
+                                          </p:stCondLst>
+                                        </p:cTn>
+                                        <p:tgtEl>
+                                          <p:spTgt spid="5123">
+                                            <p:txEl>
+                                              <p:pRg st="2" end="2"/>
+                                            </p:txEl>
+                                          </p:spTgt>
+                                        </p:tgtEl>
+                                        <p:attrNameLst>
+                                          <p:attrName>style.visibility</p:attrName>
+                                        </p:attrNameLst>
+                                      </p:cBhvr>
+                                      <p:to>
+                                        <p:strVal val="visible"/>
+                                      </p:to>
+                                    </p:set>
+                                  </p:childTnLst>
+                                </p:cTn>
+                              </p:par>
+                            </p:childTnLst>
+                          </p:cTn>
+                        </p:par>
+                      </p:childTnLst>
+                    </p:cTn>
+                  </p:par>
+                  <p:par>
+                    <p:cTn id="11" fill="hold">
+                      <p:stCondLst>
+                        <p:cond delay="indefinite"/>
+                      </p:stCondLst>
+                      <p:childTnLst>
+                        <p:par>
+                          <p:cTn id="12" fill="hold">
+                            <p:stCondLst>
+                              <p:cond delay="0"/>
+                            </p:stCondLst>
+                            <p:childTnLst>
+                              <p:par>
+                                <p:cTn id="13" presetID="1" presetClass="entr" presetSubtype="0" fill="hold" nodeType="clickEffect">
+                                  <p:stCondLst>
+                                    <p:cond delay="0"/>
+                                  </p:stCondLst>
+                                  <p:childTnLst>
+                                    <p:set>
+                                      <p:cBhvr>
+                                        <p:cTn id="14" dur="1" fill="hold">
+                                          <p:stCondLst>
+                                            <p:cond delay="0"/>
+                                          </p:stCondLst>
+                                        </p:cTn>
+                                        <p:tgtEl>
+                                          <p:spTgt spid="5123">
+                                            <p:txEl>
+                                              <p:pRg st="3" end="3"/>
+                                            </p:txEl>
+                                          </p:spTgt>
+                                        </p:tgtEl>
+                                        <p:attrNameLst>
+                                          <p:attrName>style.visibility</p:attrName>
+                                        </p:attrNameLst>
+                                      </p:cBhvr>
+                                      <p:to>
+                                        <p:strVal val="visible"/>
+                                      </p:to>
+                                    </p:set>
+                                  </p:childTnLst>
+                                </p:cTn>
+                              </p:par>
+                            </p:childTnLst>
+                          </p:cTn>
+                        </p:par>
+                      </p:childTnLst>
+                    </p:cTn>
+                  </p:par>
+                  <p:par>
+                    <p:cTn id="15" fill="hold">
+                      <p:stCondLst>
+                        <p:cond delay="indefinite"/>
+                      </p:stCondLst>
+                      <p:childTnLst>
+                        <p:par>
+                          <p:cTn id="16" fill="hold">
+                            <p:stCondLst>
+                              <p:cond delay="0"/>
+                            </p:stCondLst>
+                            <p:childTnLst>
+                              <p:par>
+                                <p:cTn id="17" presetID="1" presetClass="entr" presetSubtype="0" fill="hold" nodeType="clickEffect">
+                                  <p:stCondLst>
+                                    <p:cond delay="0"/>
+                                  </p:stCondLst>
+                                  <p:childTnLst>
+                                    <p:set>
+                                      <p:cBhvr>
+                                        <p:cTn id="18" dur="1" fill="hold">
+                                          <p:stCondLst>
+                                            <p:cond delay="0"/>
+                                          </p:stCondLst>
+                                        </p:cTn>
+                                        <p:tgtEl>
+                                          <p:spTgt spid="5123">
+                                            <p:txEl>
+                                              <p:pRg st="4" end="4"/>
+                                            </p:txEl>
+                                          </p:spTgt>
+                                        </p:tgtEl>
+                                        <p:attrNameLst>
+                                          <p:attrName>style.visibility</p:attrName>
+                                        </p:attrNameLst>
+                                      </p:cBhvr>
+                                      <p:to>
+                                        <p:strVal val="visible"/>
+                                      </p:to>
+                                    </p:set>
+                                  </p:childTnLst>
+                                </p:cTn>
+                              </p:par>
+                            </p:childTnLst>
+                          </p:cTn>
+                        </p:par>
+                      </p:childTnLst>
+                    </p:cTn>
+                  </p:par>
+                </p:childTnLst>
+              </p:cTn>
+              <p:prevCondLst>
+                <p:cond evt="onPrev" delay="0">
+                  <p:tgtEl>
+                    <p:sldTgt/>
+                  </p:tgtEl>
+                </p:cond>
+              </p:prevCondLst>
+              <p:nextCondLst>
+                <p:cond evt="onNext" delay="0">
+                  <p:tgtEl>
+                    <p:sldTgt/>
+                  </p:tgtEl>
+                </p:cond>
+              </p:nextCondLst>
+            </p:seq>
+          </p:childTnLst>
+        </p:cTn>
+      </p:par>
+    </p:tnLst>
+  </p:timing>
 </p:sld>
 </file>
 
@@ -18325,6 +19390,183 @@
   <p:clrMapOvr>
     <a:masterClrMapping/>
   </p:clrMapOvr>
+  <p:timing>
+    <p:tnLst>
+      <p:par>
+        <p:cTn id="1" dur="indefinite" restart="never" nodeType="tmRoot">
+          <p:childTnLst>
+            <p:seq concurrent="1" nextAc="seek">
+              <p:cTn id="2" dur="indefinite" nodeType="mainSeq">
+                <p:childTnLst>
+                  <p:par>
+                    <p:cTn id="3" fill="hold">
+                      <p:stCondLst>
+                        <p:cond delay="indefinite"/>
+                      </p:stCondLst>
+                      <p:childTnLst>
+                        <p:par>
+                          <p:cTn id="4" fill="hold">
+                            <p:stCondLst>
+                              <p:cond delay="0"/>
+                            </p:stCondLst>
+                            <p:childTnLst>
+                              <p:par>
+                                <p:cTn id="5" presetID="1" presetClass="entr" presetSubtype="0" fill="hold" nodeType="clickEffect">
+                                  <p:stCondLst>
+                                    <p:cond delay="0"/>
+                                  </p:stCondLst>
+                                  <p:childTnLst>
+                                    <p:set>
+                                      <p:cBhvr>
+                                        <p:cTn id="6" dur="1" fill="hold">
+                                          <p:stCondLst>
+                                            <p:cond delay="0"/>
+                                          </p:stCondLst>
+                                        </p:cTn>
+                                        <p:tgtEl>
+                                          <p:spTgt spid="5123">
+                                            <p:txEl>
+                                              <p:pRg st="1" end="1"/>
+                                            </p:txEl>
+                                          </p:spTgt>
+                                        </p:tgtEl>
+                                        <p:attrNameLst>
+                                          <p:attrName>style.visibility</p:attrName>
+                                        </p:attrNameLst>
+                                      </p:cBhvr>
+                                      <p:to>
+                                        <p:strVal val="visible"/>
+                                      </p:to>
+                                    </p:set>
+                                  </p:childTnLst>
+                                </p:cTn>
+                              </p:par>
+                            </p:childTnLst>
+                          </p:cTn>
+                        </p:par>
+                      </p:childTnLst>
+                    </p:cTn>
+                  </p:par>
+                  <p:par>
+                    <p:cTn id="7" fill="hold">
+                      <p:stCondLst>
+                        <p:cond delay="indefinite"/>
+                      </p:stCondLst>
+                      <p:childTnLst>
+                        <p:par>
+                          <p:cTn id="8" fill="hold">
+                            <p:stCondLst>
+                              <p:cond delay="0"/>
+                            </p:stCondLst>
+                            <p:childTnLst>
+                              <p:par>
+                                <p:cTn id="9" presetID="1" presetClass="entr" presetSubtype="0" fill="hold" nodeType="clickEffect">
+                                  <p:stCondLst>
+                                    <p:cond delay="0"/>
+                                  </p:stCondLst>
+                                  <p:childTnLst>
+                                    <p:set>
+                                      <p:cBhvr>
+                                        <p:cTn id="10" dur="1" fill="hold">
+                                          <p:stCondLst>
+                                            <p:cond delay="0"/>
+                                          </p:stCondLst>
+                                        </p:cTn>
+                                        <p:tgtEl>
+                                          <p:spTgt spid="5123">
+                                            <p:txEl>
+                                              <p:pRg st="2" end="2"/>
+                                            </p:txEl>
+                                          </p:spTgt>
+                                        </p:tgtEl>
+                                        <p:attrNameLst>
+                                          <p:attrName>style.visibility</p:attrName>
+                                        </p:attrNameLst>
+                                      </p:cBhvr>
+                                      <p:to>
+                                        <p:strVal val="visible"/>
+                                      </p:to>
+                                    </p:set>
+                                  </p:childTnLst>
+                                </p:cTn>
+                              </p:par>
+                            </p:childTnLst>
+                          </p:cTn>
+                        </p:par>
+                      </p:childTnLst>
+                    </p:cTn>
+                  </p:par>
+                  <p:par>
+                    <p:cTn id="11" fill="hold">
+                      <p:stCondLst>
+                        <p:cond delay="indefinite"/>
+                      </p:stCondLst>
+                      <p:childTnLst>
+                        <p:par>
+                          <p:cTn id="12" fill="hold">
+                            <p:stCondLst>
+                              <p:cond delay="0"/>
+                            </p:stCondLst>
+                            <p:childTnLst>
+                              <p:par>
+                                <p:cTn id="13" presetID="1" presetClass="entr" presetSubtype="0" fill="hold" nodeType="clickEffect">
+                                  <p:stCondLst>
+                                    <p:cond delay="0"/>
+                                  </p:stCondLst>
+                                  <p:childTnLst>
+                                    <p:set>
+                                      <p:cBhvr>
+                                        <p:cTn id="14" dur="1" fill="hold">
+                                          <p:stCondLst>
+                                            <p:cond delay="0"/>
+                                          </p:stCondLst>
+                                        </p:cTn>
+                                        <p:tgtEl>
+                                          <p:spTgt spid="5123">
+                                            <p:txEl>
+                                              <p:pRg st="3" end="3"/>
+                                            </p:txEl>
+                                          </p:spTgt>
+                                        </p:tgtEl>
+                                        <p:attrNameLst>
+                                          <p:attrName>style.visibility</p:attrName>
+                                        </p:attrNameLst>
+                                      </p:cBhvr>
+                                      <p:to>
+                                        <p:strVal val="visible"/>
+                                      </p:to>
+                                    </p:set>
+                                  </p:childTnLst>
+                                </p:cTn>
+                              </p:par>
+                            </p:childTnLst>
+                          </p:cTn>
+                        </p:par>
+                      </p:childTnLst>
+                    </p:cTn>
+                  </p:par>
+                </p:childTnLst>
+              </p:cTn>
+              <p:prevCondLst>
+                <p:cond evt="onPrev" delay="0">
+                  <p:tgtEl>
+                    <p:sldTgt/>
+                  </p:tgtEl>
+                </p:cond>
+              </p:prevCondLst>
+              <p:nextCondLst>
+                <p:cond evt="onNext" delay="0">
+                  <p:tgtEl>
+                    <p:sldTgt/>
+                  </p:tgtEl>
+                </p:cond>
+              </p:nextCondLst>
+            </p:seq>
+          </p:childTnLst>
+        </p:cTn>
+      </p:par>
+    </p:tnLst>
+  </p:timing>
 </p:sld>
 </file>
 
@@ -18367,14 +19609,14 @@
           </a:ln>
           <a:extLst>
             <a:ext uri="{909E8E84-426E-40dd-AFC4-6F175D3DCCD1}">
-              <a14:hiddenFill xmlns:a14="http://schemas.microsoft.com/office/drawing/2010/main" xmlns="">
+              <a14:hiddenFill xmlns="" xmlns:a14="http://schemas.microsoft.com/office/drawing/2010/main">
                 <a:solidFill>
                   <a:srgbClr val="FFFFFF"/>
                 </a:solidFill>
               </a14:hiddenFill>
             </a:ext>
             <a:ext uri="{91240B29-F687-4f45-9708-019B960494DF}">
-              <a14:hiddenLine xmlns:a14="http://schemas.microsoft.com/office/drawing/2010/main" xmlns="" w="9525">
+              <a14:hiddenLine xmlns="" xmlns:a14="http://schemas.microsoft.com/office/drawing/2010/main" w="9525">
                 <a:solidFill>
                   <a:srgbClr val="000000"/>
                 </a:solidFill>
@@ -18706,14 +19948,14 @@
           </a:ln>
           <a:extLst>
             <a:ext uri="{909E8E84-426E-40dd-AFC4-6F175D3DCCD1}">
-              <a14:hiddenFill xmlns:a14="http://schemas.microsoft.com/office/drawing/2010/main" xmlns="">
+              <a14:hiddenFill xmlns="" xmlns:a14="http://schemas.microsoft.com/office/drawing/2010/main">
                 <a:solidFill>
                   <a:srgbClr val="FFFFFF"/>
                 </a:solidFill>
               </a14:hiddenFill>
             </a:ext>
             <a:ext uri="{91240B29-F687-4f45-9708-019B960494DF}">
-              <a14:hiddenLine xmlns:a14="http://schemas.microsoft.com/office/drawing/2010/main" xmlns="" w="9525">
+              <a14:hiddenLine xmlns="" xmlns:a14="http://schemas.microsoft.com/office/drawing/2010/main" w="9525">
                 <a:solidFill>
                   <a:srgbClr val="000000"/>
                 </a:solidFill>

--- a/version_control/01_git_intro.pptx
+++ b/version_control/01_git_intro.pptx
@@ -480,7 +480,7 @@
             <a:fld id="{17F80633-BAA2-0049-BDEC-E483C21777A6}" type="datetimeFigureOut">
               <a:rPr lang="en-GB"/>
               <a:pPr/>
-              <a:t>19/02/2023</a:t>
+              <a:t>20/02/2023</a:t>
             </a:fld>
             <a:endParaRPr lang="en-GB"/>
           </a:p>
@@ -832,14 +832,14 @@
           <a:noFill/>
           <a:extLst>
             <a:ext uri="{909E8E84-426E-40dd-AFC4-6F175D3DCCD1}">
-              <a14:hiddenFill xmlns="" xmlns:a14="http://schemas.microsoft.com/office/drawing/2010/main">
+              <a14:hiddenFill xmlns:a14="http://schemas.microsoft.com/office/drawing/2010/main" xmlns="">
                 <a:solidFill>
                   <a:srgbClr val="FFFFFF"/>
                 </a:solidFill>
               </a14:hiddenFill>
             </a:ext>
             <a:ext uri="{91240B29-F687-4f45-9708-019B960494DF}">
-              <a14:hiddenLine xmlns="" xmlns:a14="http://schemas.microsoft.com/office/drawing/2010/main" w="9525">
+              <a14:hiddenLine xmlns:a14="http://schemas.microsoft.com/office/drawing/2010/main" xmlns="" w="9525">
                 <a:solidFill>
                   <a:srgbClr val="000000"/>
                 </a:solidFill>
@@ -1012,7 +1012,7 @@
           </a:ln>
           <a:extLst>
             <a:ext uri="{FAA26D3D-D897-4be2-8F04-BA451C77F1D7}">
-              <ma14:placeholderFlag xmlns="" xmlns:ma14="http://schemas.microsoft.com/office/mac/drawingml/2011/main" val="1"/>
+              <ma14:placeholderFlag xmlns:ma14="http://schemas.microsoft.com/office/mac/drawingml/2011/main" xmlns="" val="1"/>
             </a:ext>
           </a:extLst>
         </p:spPr>
@@ -1035,17 +1035,17 @@
           <a:noFill/>
           <a:extLst>
             <a:ext uri="{FAA26D3D-D897-4be2-8F04-BA451C77F1D7}">
-              <ma14:placeholderFlag xmlns="" xmlns:ma14="http://schemas.microsoft.com/office/mac/drawingml/2011/main" val="1"/>
+              <ma14:placeholderFlag xmlns:ma14="http://schemas.microsoft.com/office/mac/drawingml/2011/main" xmlns="" val="1"/>
             </a:ext>
             <a:ext uri="{909E8E84-426E-40dd-AFC4-6F175D3DCCD1}">
-              <a14:hiddenFill xmlns="" xmlns:a14="http://schemas.microsoft.com/office/drawing/2010/main">
+              <a14:hiddenFill xmlns:a14="http://schemas.microsoft.com/office/drawing/2010/main" xmlns="">
                 <a:solidFill>
                   <a:srgbClr val="FFFFFF"/>
                 </a:solidFill>
               </a14:hiddenFill>
             </a:ext>
             <a:ext uri="{91240B29-F687-4f45-9708-019B960494DF}">
-              <a14:hiddenLine xmlns="" xmlns:a14="http://schemas.microsoft.com/office/drawing/2010/main" w="9525">
+              <a14:hiddenLine xmlns:a14="http://schemas.microsoft.com/office/drawing/2010/main" xmlns="" w="9525">
                 <a:solidFill>
                   <a:srgbClr val="000000"/>
                 </a:solidFill>
@@ -1124,10 +1124,10 @@
           </a:ln>
           <a:extLst>
             <a:ext uri="{FAA26D3D-D897-4be2-8F04-BA451C77F1D7}">
-              <ma14:placeholderFlag xmlns:ma14="http://schemas.microsoft.com/office/mac/drawingml/2011/main" xmlns="" val="1"/>
+              <ma14:placeholderFlag xmlns="" xmlns:ma14="http://schemas.microsoft.com/office/mac/drawingml/2011/main" val="1"/>
             </a:ext>
             <a:ext uri="{909E8E84-426E-40dd-AFC4-6F175D3DCCD1}">
-              <a14:hiddenFill xmlns="" xmlns:a14="http://schemas.microsoft.com/office/drawing/2010/main">
+              <a14:hiddenFill xmlns:a14="http://schemas.microsoft.com/office/drawing/2010/main" xmlns="">
                 <a:solidFill>
                   <a:srgbClr val="FFFFFF"/>
                 </a:solidFill>
@@ -1150,14 +1150,14 @@
           <a:noFill/>
           <a:extLst>
             <a:ext uri="{909E8E84-426E-40dd-AFC4-6F175D3DCCD1}">
-              <a14:hiddenFill xmlns="" xmlns:a14="http://schemas.microsoft.com/office/drawing/2010/main">
+              <a14:hiddenFill xmlns:a14="http://schemas.microsoft.com/office/drawing/2010/main" xmlns="">
                 <a:solidFill>
                   <a:srgbClr val="FFFFFF"/>
                 </a:solidFill>
               </a14:hiddenFill>
             </a:ext>
             <a:ext uri="{91240B29-F687-4f45-9708-019B960494DF}">
-              <a14:hiddenLine xmlns="" xmlns:a14="http://schemas.microsoft.com/office/drawing/2010/main" w="9525">
+              <a14:hiddenLine xmlns:a14="http://schemas.microsoft.com/office/drawing/2010/main" xmlns="" w="9525">
                 <a:solidFill>
                   <a:srgbClr val="000000"/>
                 </a:solidFill>
@@ -1199,14 +1199,14 @@
           <a:noFill/>
           <a:extLst>
             <a:ext uri="{909E8E84-426E-40dd-AFC4-6F175D3DCCD1}">
-              <a14:hiddenFill xmlns="" xmlns:a14="http://schemas.microsoft.com/office/drawing/2010/main">
+              <a14:hiddenFill xmlns:a14="http://schemas.microsoft.com/office/drawing/2010/main" xmlns="">
                 <a:solidFill>
                   <a:srgbClr val="FFFFFF"/>
                 </a:solidFill>
               </a14:hiddenFill>
             </a:ext>
             <a:ext uri="{91240B29-F687-4f45-9708-019B960494DF}">
-              <a14:hiddenLine xmlns="" xmlns:a14="http://schemas.microsoft.com/office/drawing/2010/main" w="9525">
+              <a14:hiddenLine xmlns:a14="http://schemas.microsoft.com/office/drawing/2010/main" xmlns="" w="9525">
                 <a:solidFill>
                   <a:srgbClr val="000000"/>
                 </a:solidFill>
@@ -1387,10 +1387,10 @@
           </a:ln>
           <a:extLst>
             <a:ext uri="{FAA26D3D-D897-4be2-8F04-BA451C77F1D7}">
-              <ma14:placeholderFlag xmlns:ma14="http://schemas.microsoft.com/office/mac/drawingml/2011/main" xmlns="" val="1"/>
+              <ma14:placeholderFlag xmlns="" xmlns:ma14="http://schemas.microsoft.com/office/mac/drawingml/2011/main" val="1"/>
             </a:ext>
             <a:ext uri="{909E8E84-426E-40dd-AFC4-6F175D3DCCD1}">
-              <a14:hiddenFill xmlns="" xmlns:a14="http://schemas.microsoft.com/office/drawing/2010/main">
+              <a14:hiddenFill xmlns:a14="http://schemas.microsoft.com/office/drawing/2010/main" xmlns="">
                 <a:solidFill>
                   <a:srgbClr val="FFFFFF"/>
                 </a:solidFill>
@@ -1413,14 +1413,14 @@
           <a:noFill/>
           <a:extLst>
             <a:ext uri="{909E8E84-426E-40dd-AFC4-6F175D3DCCD1}">
-              <a14:hiddenFill xmlns="" xmlns:a14="http://schemas.microsoft.com/office/drawing/2010/main">
+              <a14:hiddenFill xmlns:a14="http://schemas.microsoft.com/office/drawing/2010/main" xmlns="">
                 <a:solidFill>
                   <a:srgbClr val="FFFFFF"/>
                 </a:solidFill>
               </a14:hiddenFill>
             </a:ext>
             <a:ext uri="{91240B29-F687-4f45-9708-019B960494DF}">
-              <a14:hiddenLine xmlns="" xmlns:a14="http://schemas.microsoft.com/office/drawing/2010/main" w="9525">
+              <a14:hiddenLine xmlns:a14="http://schemas.microsoft.com/office/drawing/2010/main" xmlns="" w="9525">
                 <a:solidFill>
                   <a:srgbClr val="000000"/>
                 </a:solidFill>
@@ -1462,14 +1462,14 @@
           <a:noFill/>
           <a:extLst>
             <a:ext uri="{909E8E84-426E-40dd-AFC4-6F175D3DCCD1}">
-              <a14:hiddenFill xmlns="" xmlns:a14="http://schemas.microsoft.com/office/drawing/2010/main">
+              <a14:hiddenFill xmlns:a14="http://schemas.microsoft.com/office/drawing/2010/main" xmlns="">
                 <a:solidFill>
                   <a:srgbClr val="FFFFFF"/>
                 </a:solidFill>
               </a14:hiddenFill>
             </a:ext>
             <a:ext uri="{91240B29-F687-4f45-9708-019B960494DF}">
-              <a14:hiddenLine xmlns="" xmlns:a14="http://schemas.microsoft.com/office/drawing/2010/main" w="9525">
+              <a14:hiddenLine xmlns:a14="http://schemas.microsoft.com/office/drawing/2010/main" xmlns="" w="9525">
                 <a:solidFill>
                   <a:srgbClr val="000000"/>
                 </a:solidFill>
@@ -1650,14 +1650,14 @@
           <a:noFill/>
           <a:extLst>
             <a:ext uri="{909E8E84-426E-40dd-AFC4-6F175D3DCCD1}">
-              <a14:hiddenFill xmlns="" xmlns:a14="http://schemas.microsoft.com/office/drawing/2010/main">
+              <a14:hiddenFill xmlns:a14="http://schemas.microsoft.com/office/drawing/2010/main" xmlns="">
                 <a:solidFill>
                   <a:srgbClr val="FFFFFF"/>
                 </a:solidFill>
               </a14:hiddenFill>
             </a:ext>
             <a:ext uri="{91240B29-F687-4f45-9708-019B960494DF}">
-              <a14:hiddenLine xmlns="" xmlns:a14="http://schemas.microsoft.com/office/drawing/2010/main" w="9525">
+              <a14:hiddenLine xmlns:a14="http://schemas.microsoft.com/office/drawing/2010/main" xmlns="" w="9525">
                 <a:solidFill>
                   <a:srgbClr val="000000"/>
                 </a:solidFill>
@@ -1830,7 +1830,7 @@
           </a:ln>
           <a:extLst>
             <a:ext uri="{FAA26D3D-D897-4be2-8F04-BA451C77F1D7}">
-              <ma14:placeholderFlag xmlns="" xmlns:ma14="http://schemas.microsoft.com/office/mac/drawingml/2011/main" val="1"/>
+              <ma14:placeholderFlag xmlns:ma14="http://schemas.microsoft.com/office/mac/drawingml/2011/main" xmlns="" val="1"/>
             </a:ext>
           </a:extLst>
         </p:spPr>
@@ -1853,14 +1853,14 @@
           <a:noFill/>
           <a:extLst>
             <a:ext uri="{909E8E84-426E-40dd-AFC4-6F175D3DCCD1}">
-              <a14:hiddenFill xmlns="" xmlns:a14="http://schemas.microsoft.com/office/drawing/2010/main">
+              <a14:hiddenFill xmlns:a14="http://schemas.microsoft.com/office/drawing/2010/main" xmlns="">
                 <a:solidFill>
                   <a:srgbClr val="FFFFFF"/>
                 </a:solidFill>
               </a14:hiddenFill>
             </a:ext>
             <a:ext uri="{91240B29-F687-4f45-9708-019B960494DF}">
-              <a14:hiddenLine xmlns="" xmlns:a14="http://schemas.microsoft.com/office/drawing/2010/main" w="9525">
+              <a14:hiddenLine xmlns:a14="http://schemas.microsoft.com/office/drawing/2010/main" xmlns="" w="9525">
                 <a:solidFill>
                   <a:srgbClr val="000000"/>
                 </a:solidFill>
@@ -2269,10 +2269,10 @@
           </a:ln>
           <a:extLst>
             <a:ext uri="{FAA26D3D-D897-4be2-8F04-BA451C77F1D7}">
-              <ma14:placeholderFlag xmlns:ma14="http://schemas.microsoft.com/office/mac/drawingml/2011/main" xmlns="" val="1"/>
+              <ma14:placeholderFlag xmlns="" xmlns:ma14="http://schemas.microsoft.com/office/mac/drawingml/2011/main" val="1"/>
             </a:ext>
             <a:ext uri="{909E8E84-426E-40dd-AFC4-6F175D3DCCD1}">
-              <a14:hiddenFill xmlns="" xmlns:a14="http://schemas.microsoft.com/office/drawing/2010/main">
+              <a14:hiddenFill xmlns:a14="http://schemas.microsoft.com/office/drawing/2010/main" xmlns="">
                 <a:solidFill>
                   <a:srgbClr val="FFFFFF"/>
                 </a:solidFill>
@@ -2295,14 +2295,14 @@
           <a:noFill/>
           <a:extLst>
             <a:ext uri="{909E8E84-426E-40dd-AFC4-6F175D3DCCD1}">
-              <a14:hiddenFill xmlns="" xmlns:a14="http://schemas.microsoft.com/office/drawing/2010/main">
+              <a14:hiddenFill xmlns:a14="http://schemas.microsoft.com/office/drawing/2010/main" xmlns="">
                 <a:solidFill>
                   <a:srgbClr val="FFFFFF"/>
                 </a:solidFill>
               </a14:hiddenFill>
             </a:ext>
             <a:ext uri="{91240B29-F687-4f45-9708-019B960494DF}">
-              <a14:hiddenLine xmlns="" xmlns:a14="http://schemas.microsoft.com/office/drawing/2010/main" w="9525">
+              <a14:hiddenLine xmlns:a14="http://schemas.microsoft.com/office/drawing/2010/main" xmlns="" w="9525">
                 <a:solidFill>
                   <a:srgbClr val="000000"/>
                 </a:solidFill>
@@ -2344,14 +2344,14 @@
           <a:noFill/>
           <a:extLst>
             <a:ext uri="{909E8E84-426E-40dd-AFC4-6F175D3DCCD1}">
-              <a14:hiddenFill xmlns="" xmlns:a14="http://schemas.microsoft.com/office/drawing/2010/main">
+              <a14:hiddenFill xmlns:a14="http://schemas.microsoft.com/office/drawing/2010/main" xmlns="">
                 <a:solidFill>
                   <a:srgbClr val="FFFFFF"/>
                 </a:solidFill>
               </a14:hiddenFill>
             </a:ext>
             <a:ext uri="{91240B29-F687-4f45-9708-019B960494DF}">
-              <a14:hiddenLine xmlns="" xmlns:a14="http://schemas.microsoft.com/office/drawing/2010/main" w="9525">
+              <a14:hiddenLine xmlns:a14="http://schemas.microsoft.com/office/drawing/2010/main" xmlns="" w="9525">
                 <a:solidFill>
                   <a:srgbClr val="000000"/>
                 </a:solidFill>
@@ -2532,10 +2532,10 @@
           </a:ln>
           <a:extLst>
             <a:ext uri="{FAA26D3D-D897-4be2-8F04-BA451C77F1D7}">
-              <ma14:placeholderFlag xmlns:ma14="http://schemas.microsoft.com/office/mac/drawingml/2011/main" xmlns="" val="1"/>
+              <ma14:placeholderFlag xmlns="" xmlns:ma14="http://schemas.microsoft.com/office/mac/drawingml/2011/main" val="1"/>
             </a:ext>
             <a:ext uri="{909E8E84-426E-40dd-AFC4-6F175D3DCCD1}">
-              <a14:hiddenFill xmlns="" xmlns:a14="http://schemas.microsoft.com/office/drawing/2010/main">
+              <a14:hiddenFill xmlns:a14="http://schemas.microsoft.com/office/drawing/2010/main" xmlns="">
                 <a:solidFill>
                   <a:srgbClr val="FFFFFF"/>
                 </a:solidFill>
@@ -2558,14 +2558,14 @@
           <a:noFill/>
           <a:extLst>
             <a:ext uri="{909E8E84-426E-40dd-AFC4-6F175D3DCCD1}">
-              <a14:hiddenFill xmlns="" xmlns:a14="http://schemas.microsoft.com/office/drawing/2010/main">
+              <a14:hiddenFill xmlns:a14="http://schemas.microsoft.com/office/drawing/2010/main" xmlns="">
                 <a:solidFill>
                   <a:srgbClr val="FFFFFF"/>
                 </a:solidFill>
               </a14:hiddenFill>
             </a:ext>
             <a:ext uri="{91240B29-F687-4f45-9708-019B960494DF}">
-              <a14:hiddenLine xmlns="" xmlns:a14="http://schemas.microsoft.com/office/drawing/2010/main" w="9525">
+              <a14:hiddenLine xmlns:a14="http://schemas.microsoft.com/office/drawing/2010/main" xmlns="" w="9525">
                 <a:solidFill>
                   <a:srgbClr val="000000"/>
                 </a:solidFill>
@@ -2619,14 +2619,14 @@
           <a:noFill/>
           <a:extLst>
             <a:ext uri="{909E8E84-426E-40dd-AFC4-6F175D3DCCD1}">
-              <a14:hiddenFill xmlns="" xmlns:a14="http://schemas.microsoft.com/office/drawing/2010/main">
+              <a14:hiddenFill xmlns:a14="http://schemas.microsoft.com/office/drawing/2010/main" xmlns="">
                 <a:solidFill>
                   <a:srgbClr val="FFFFFF"/>
                 </a:solidFill>
               </a14:hiddenFill>
             </a:ext>
             <a:ext uri="{91240B29-F687-4f45-9708-019B960494DF}">
-              <a14:hiddenLine xmlns="" xmlns:a14="http://schemas.microsoft.com/office/drawing/2010/main" w="9525">
+              <a14:hiddenLine xmlns:a14="http://schemas.microsoft.com/office/drawing/2010/main" xmlns="" w="9525">
                 <a:solidFill>
                   <a:srgbClr val="000000"/>
                 </a:solidFill>
@@ -2807,10 +2807,10 @@
           </a:ln>
           <a:extLst>
             <a:ext uri="{FAA26D3D-D897-4be2-8F04-BA451C77F1D7}">
-              <ma14:placeholderFlag xmlns:ma14="http://schemas.microsoft.com/office/mac/drawingml/2011/main" xmlns="" val="1"/>
+              <ma14:placeholderFlag xmlns="" xmlns:ma14="http://schemas.microsoft.com/office/mac/drawingml/2011/main" val="1"/>
             </a:ext>
             <a:ext uri="{909E8E84-426E-40dd-AFC4-6F175D3DCCD1}">
-              <a14:hiddenFill xmlns="" xmlns:a14="http://schemas.microsoft.com/office/drawing/2010/main">
+              <a14:hiddenFill xmlns:a14="http://schemas.microsoft.com/office/drawing/2010/main" xmlns="">
                 <a:solidFill>
                   <a:srgbClr val="FFFFFF"/>
                 </a:solidFill>
@@ -2833,14 +2833,14 @@
           <a:noFill/>
           <a:extLst>
             <a:ext uri="{909E8E84-426E-40dd-AFC4-6F175D3DCCD1}">
-              <a14:hiddenFill xmlns="" xmlns:a14="http://schemas.microsoft.com/office/drawing/2010/main">
+              <a14:hiddenFill xmlns:a14="http://schemas.microsoft.com/office/drawing/2010/main" xmlns="">
                 <a:solidFill>
                   <a:srgbClr val="FFFFFF"/>
                 </a:solidFill>
               </a14:hiddenFill>
             </a:ext>
             <a:ext uri="{91240B29-F687-4f45-9708-019B960494DF}">
-              <a14:hiddenLine xmlns="" xmlns:a14="http://schemas.microsoft.com/office/drawing/2010/main" w="9525">
+              <a14:hiddenLine xmlns:a14="http://schemas.microsoft.com/office/drawing/2010/main" xmlns="" w="9525">
                 <a:solidFill>
                   <a:srgbClr val="000000"/>
                 </a:solidFill>
@@ -2882,14 +2882,14 @@
           <a:noFill/>
           <a:extLst>
             <a:ext uri="{909E8E84-426E-40dd-AFC4-6F175D3DCCD1}">
-              <a14:hiddenFill xmlns="" xmlns:a14="http://schemas.microsoft.com/office/drawing/2010/main">
+              <a14:hiddenFill xmlns:a14="http://schemas.microsoft.com/office/drawing/2010/main" xmlns="">
                 <a:solidFill>
                   <a:srgbClr val="FFFFFF"/>
                 </a:solidFill>
               </a14:hiddenFill>
             </a:ext>
             <a:ext uri="{91240B29-F687-4f45-9708-019B960494DF}">
-              <a14:hiddenLine xmlns="" xmlns:a14="http://schemas.microsoft.com/office/drawing/2010/main" w="9525">
+              <a14:hiddenLine xmlns:a14="http://schemas.microsoft.com/office/drawing/2010/main" xmlns="" w="9525">
                 <a:solidFill>
                   <a:srgbClr val="000000"/>
                 </a:solidFill>
@@ -3070,10 +3070,10 @@
           </a:ln>
           <a:extLst>
             <a:ext uri="{FAA26D3D-D897-4be2-8F04-BA451C77F1D7}">
-              <ma14:placeholderFlag xmlns:ma14="http://schemas.microsoft.com/office/mac/drawingml/2011/main" xmlns="" val="1"/>
+              <ma14:placeholderFlag xmlns="" xmlns:ma14="http://schemas.microsoft.com/office/mac/drawingml/2011/main" val="1"/>
             </a:ext>
             <a:ext uri="{909E8E84-426E-40dd-AFC4-6F175D3DCCD1}">
-              <a14:hiddenFill xmlns="" xmlns:a14="http://schemas.microsoft.com/office/drawing/2010/main">
+              <a14:hiddenFill xmlns:a14="http://schemas.microsoft.com/office/drawing/2010/main" xmlns="">
                 <a:solidFill>
                   <a:srgbClr val="FFFFFF"/>
                 </a:solidFill>
@@ -3096,14 +3096,14 @@
           <a:noFill/>
           <a:extLst>
             <a:ext uri="{909E8E84-426E-40dd-AFC4-6F175D3DCCD1}">
-              <a14:hiddenFill xmlns="" xmlns:a14="http://schemas.microsoft.com/office/drawing/2010/main">
+              <a14:hiddenFill xmlns:a14="http://schemas.microsoft.com/office/drawing/2010/main" xmlns="">
                 <a:solidFill>
                   <a:srgbClr val="FFFFFF"/>
                 </a:solidFill>
               </a14:hiddenFill>
             </a:ext>
             <a:ext uri="{91240B29-F687-4f45-9708-019B960494DF}">
-              <a14:hiddenLine xmlns="" xmlns:a14="http://schemas.microsoft.com/office/drawing/2010/main" w="9525">
+              <a14:hiddenLine xmlns:a14="http://schemas.microsoft.com/office/drawing/2010/main" xmlns="" w="9525">
                 <a:solidFill>
                   <a:srgbClr val="000000"/>
                 </a:solidFill>
@@ -3145,14 +3145,14 @@
           <a:noFill/>
           <a:extLst>
             <a:ext uri="{909E8E84-426E-40dd-AFC4-6F175D3DCCD1}">
-              <a14:hiddenFill xmlns="" xmlns:a14="http://schemas.microsoft.com/office/drawing/2010/main">
+              <a14:hiddenFill xmlns:a14="http://schemas.microsoft.com/office/drawing/2010/main" xmlns="">
                 <a:solidFill>
                   <a:srgbClr val="FFFFFF"/>
                 </a:solidFill>
               </a14:hiddenFill>
             </a:ext>
             <a:ext uri="{91240B29-F687-4f45-9708-019B960494DF}">
-              <a14:hiddenLine xmlns="" xmlns:a14="http://schemas.microsoft.com/office/drawing/2010/main" w="9525">
+              <a14:hiddenLine xmlns:a14="http://schemas.microsoft.com/office/drawing/2010/main" xmlns="" w="9525">
                 <a:solidFill>
                   <a:srgbClr val="000000"/>
                 </a:solidFill>
@@ -4235,7 +4235,7 @@
             <a:fld id="{EC40E7FB-B30A-A942-A21D-EE0E54040989}" type="datetimeFigureOut">
               <a:rPr lang="en-GB" smtClean="0"/>
               <a:pPr/>
-              <a:t>19/02/2023</a:t>
+              <a:t>20/02/2023</a:t>
             </a:fld>
             <a:endParaRPr lang="en-GB"/>
           </a:p>
@@ -4462,7 +4462,7 @@
             <a:fld id="{EC40E7FB-B30A-A942-A21D-EE0E54040989}" type="datetimeFigureOut">
               <a:rPr lang="en-GB" smtClean="0"/>
               <a:pPr/>
-              <a:t>19/02/2023</a:t>
+              <a:t>20/02/2023</a:t>
             </a:fld>
             <a:endParaRPr lang="en-GB"/>
           </a:p>
@@ -8107,7 +8107,7 @@
             <a:fld id="{F967FF78-FFF3-D94C-8CB8-21E3487233EA}" type="datetimeFigureOut">
               <a:rPr lang="en-GB" smtClean="0"/>
               <a:pPr/>
-              <a:t>19/02/2023</a:t>
+              <a:t>20/02/2023</a:t>
             </a:fld>
             <a:endParaRPr lang="en-GB"/>
           </a:p>
@@ -10805,7 +10805,7 @@
                   <a:schemeClr val="tx1"/>
                 </a:solidFill>
               </a:rPr>
-              <a:t>revision control system</a:t>
+              <a:t>version control system</a:t>
             </a:r>
             <a:r>
               <a:rPr lang="en-US" sz="2400" dirty="0">
@@ -11532,7 +11532,7 @@
           </a:ln>
           <a:extLst>
             <a:ext uri="{909E8E84-426E-40dd-AFC4-6F175D3DCCD1}">
-              <a14:hiddenFill xmlns="" xmlns:a14="http://schemas.microsoft.com/office/drawing/2010/main">
+              <a14:hiddenFill xmlns:a14="http://schemas.microsoft.com/office/drawing/2010/main" xmlns="">
                 <a:solidFill>
                   <a:schemeClr val="accent1"/>
                 </a:solidFill>
@@ -11693,7 +11693,7 @@
           </a:ln>
           <a:extLst>
             <a:ext uri="{909E8E84-426E-40dd-AFC4-6F175D3DCCD1}">
-              <a14:hiddenFill xmlns="" xmlns:a14="http://schemas.microsoft.com/office/drawing/2010/main">
+              <a14:hiddenFill xmlns:a14="http://schemas.microsoft.com/office/drawing/2010/main" xmlns="">
                 <a:solidFill>
                   <a:schemeClr val="accent1"/>
                 </a:solidFill>
@@ -11833,7 +11833,7 @@
           </a:ln>
           <a:extLst>
             <a:ext uri="{909E8E84-426E-40dd-AFC4-6F175D3DCCD1}">
-              <a14:hiddenFill xmlns="" xmlns:a14="http://schemas.microsoft.com/office/drawing/2010/main">
+              <a14:hiddenFill xmlns:a14="http://schemas.microsoft.com/office/drawing/2010/main" xmlns="">
                 <a:solidFill>
                   <a:schemeClr val="accent1"/>
                 </a:solidFill>
@@ -11930,7 +11930,7 @@
           </a:ln>
           <a:extLst>
             <a:ext uri="{909E8E84-426E-40dd-AFC4-6F175D3DCCD1}">
-              <a14:hiddenFill xmlns="" xmlns:a14="http://schemas.microsoft.com/office/drawing/2010/main">
+              <a14:hiddenFill xmlns:a14="http://schemas.microsoft.com/office/drawing/2010/main" xmlns="">
                 <a:solidFill>
                   <a:schemeClr val="accent1"/>
                 </a:solidFill>
@@ -12033,10 +12033,10 @@
           </a:ln>
           <a:extLst>
             <a:ext uri="{FAA26D3D-D897-4be2-8F04-BA451C77F1D7}">
-              <ma14:placeholderFlag xmlns:ma14="http://schemas.microsoft.com/office/mac/drawingml/2011/main" xmlns="" val="1"/>
+              <ma14:placeholderFlag xmlns="" xmlns:ma14="http://schemas.microsoft.com/office/mac/drawingml/2011/main" val="1"/>
             </a:ext>
             <a:ext uri="{909E8E84-426E-40dd-AFC4-6F175D3DCCD1}">
-              <a14:hiddenFill xmlns="" xmlns:a14="http://schemas.microsoft.com/office/drawing/2010/main">
+              <a14:hiddenFill xmlns:a14="http://schemas.microsoft.com/office/drawing/2010/main" xmlns="">
                 <a:solidFill>
                   <a:schemeClr val="accent1"/>
                 </a:solidFill>
@@ -13268,7 +13268,7 @@
           <a:p>
             <a:r>
               <a:rPr lang="en-GB" sz="2400" dirty="0"/>
-              <a:t>You can then clone in the same way as “Option 1"</a:t>
+              <a:t>You can then clone in the same way as “Option 1”</a:t>
             </a:r>
           </a:p>
         </p:txBody>
@@ -15613,14 +15613,14 @@
           </a:ln>
           <a:extLst>
             <a:ext uri="{909E8E84-426E-40dd-AFC4-6F175D3DCCD1}">
-              <a14:hiddenFill xmlns="" xmlns:a14="http://schemas.microsoft.com/office/drawing/2010/main">
+              <a14:hiddenFill xmlns:a14="http://schemas.microsoft.com/office/drawing/2010/main" xmlns="">
                 <a:solidFill>
                   <a:srgbClr val="FFFFFF"/>
                 </a:solidFill>
               </a14:hiddenFill>
             </a:ext>
             <a:ext uri="{91240B29-F687-4f45-9708-019B960494DF}">
-              <a14:hiddenLine xmlns="" xmlns:a14="http://schemas.microsoft.com/office/drawing/2010/main" w="9525">
+              <a14:hiddenLine xmlns:a14="http://schemas.microsoft.com/office/drawing/2010/main" xmlns="" w="9525">
                 <a:solidFill>
                   <a:srgbClr val="000000"/>
                 </a:solidFill>
@@ -17500,17 +17500,17 @@
           </a:ln>
           <a:extLst>
             <a:ext uri="{FAA26D3D-D897-4be2-8F04-BA451C77F1D7}">
-              <ma14:placeholderFlag xmlns:ma14="http://schemas.microsoft.com/office/mac/drawingml/2011/main" xmlns="" val="1"/>
+              <ma14:placeholderFlag xmlns="" xmlns:ma14="http://schemas.microsoft.com/office/mac/drawingml/2011/main" val="1"/>
             </a:ext>
             <a:ext uri="{909E8E84-426E-40dd-AFC4-6F175D3DCCD1}">
-              <a14:hiddenFill xmlns="" xmlns:a14="http://schemas.microsoft.com/office/drawing/2010/main">
+              <a14:hiddenFill xmlns:a14="http://schemas.microsoft.com/office/drawing/2010/main" xmlns="">
                 <a:solidFill>
                   <a:srgbClr val="FFFFFF"/>
                 </a:solidFill>
               </a14:hiddenFill>
             </a:ext>
             <a:ext uri="{91240B29-F687-4f45-9708-019B960494DF}">
-              <a14:hiddenLine xmlns="" xmlns:a14="http://schemas.microsoft.com/office/drawing/2010/main" w="9525">
+              <a14:hiddenLine xmlns:a14="http://schemas.microsoft.com/office/drawing/2010/main" xmlns="" w="9525">
                 <a:solidFill>
                   <a:srgbClr val="000000"/>
                 </a:solidFill>
@@ -18177,17 +18177,8 @@
               <a:rPr lang="en-GB" sz="2400" dirty="0">
                 <a:latin typeface="Calibri" charset="0"/>
               </a:rPr>
-              <a:t>The exercise following this presentation will get you set up to use Git and </a:t>
-            </a:r>
-            <a:r>
-              <a:rPr lang="en-GB" sz="2400" dirty="0" err="1">
-                <a:latin typeface="Calibri" charset="0"/>
-              </a:rPr>
-              <a:t>GitGub</a:t>
-            </a:r>
-            <a:endParaRPr lang="en-GB" sz="2400" dirty="0">
-              <a:latin typeface="Calibri" charset="0"/>
-            </a:endParaRPr>
+              <a:t>The exercise following this presentation will get you set up to use Git and GitHub</a:t>
+            </a:r>
           </a:p>
           <a:p>
             <a:r>
@@ -18584,7 +18575,7 @@
               <a:rPr lang="en-GB" sz="2400" dirty="0">
                 <a:latin typeface="Calibri" charset="0"/>
               </a:rPr>
-              <a:t>Allows you to revert back to a previous points in history</a:t>
+              <a:t>Allows you to revert back to previous points in history</a:t>
             </a:r>
           </a:p>
           <a:p>
@@ -19330,7 +19321,7 @@
               <a:rPr lang="en-GB" sz="2400" dirty="0">
                 <a:latin typeface="Calibri" charset="0"/>
               </a:rPr>
-              <a:t>They are as good, if not better, than alternatives.</a:t>
+              <a:t>We think that Git and GitHub are as good, if not better, than alternatives.</a:t>
             </a:r>
           </a:p>
           <a:p>
@@ -19609,14 +19600,14 @@
           </a:ln>
           <a:extLst>
             <a:ext uri="{909E8E84-426E-40dd-AFC4-6F175D3DCCD1}">
-              <a14:hiddenFill xmlns="" xmlns:a14="http://schemas.microsoft.com/office/drawing/2010/main">
+              <a14:hiddenFill xmlns:a14="http://schemas.microsoft.com/office/drawing/2010/main" xmlns="">
                 <a:solidFill>
                   <a:srgbClr val="FFFFFF"/>
                 </a:solidFill>
               </a14:hiddenFill>
             </a:ext>
             <a:ext uri="{91240B29-F687-4f45-9708-019B960494DF}">
-              <a14:hiddenLine xmlns="" xmlns:a14="http://schemas.microsoft.com/office/drawing/2010/main" w="9525">
+              <a14:hiddenLine xmlns:a14="http://schemas.microsoft.com/office/drawing/2010/main" xmlns="" w="9525">
                 <a:solidFill>
                   <a:srgbClr val="000000"/>
                 </a:solidFill>
@@ -19948,14 +19939,14 @@
           </a:ln>
           <a:extLst>
             <a:ext uri="{909E8E84-426E-40dd-AFC4-6F175D3DCCD1}">
-              <a14:hiddenFill xmlns="" xmlns:a14="http://schemas.microsoft.com/office/drawing/2010/main">
+              <a14:hiddenFill xmlns:a14="http://schemas.microsoft.com/office/drawing/2010/main" xmlns="">
                 <a:solidFill>
                   <a:srgbClr val="FFFFFF"/>
                 </a:solidFill>
               </a14:hiddenFill>
             </a:ext>
             <a:ext uri="{91240B29-F687-4f45-9708-019B960494DF}">
-              <a14:hiddenLine xmlns="" xmlns:a14="http://schemas.microsoft.com/office/drawing/2010/main" w="9525">
+              <a14:hiddenLine xmlns:a14="http://schemas.microsoft.com/office/drawing/2010/main" xmlns="" w="9525">
                 <a:solidFill>
                   <a:srgbClr val="000000"/>
                 </a:solidFill>
